--- a/modules/module01/slides.pptx
+++ b/modules/module01/slides.pptx
@@ -4,6 +4,9 @@
   <p:sldMasterIdLst>
     <p:sldMasterId id="2147483648" r:id="rId1"/>
   </p:sldMasterIdLst>
+  <p:notesMasterIdLst>
+    <p:NotesMasterId r:id="rId24"/>
+  </p:notesMasterIdLst>
   <p:sldIdLst>
     <p:sldId id="256" r:id="rId2"/>
     <p:sldId id="257" r:id="rId3"/>
@@ -15,6 +18,18 @@
     <p:sldId id="263" r:id="rId9"/>
     <p:sldId id="264" r:id="rId10"/>
     <p:sldId id="265" r:id="rId11"/>
+    <p:sldId id="266" r:id="rId12"/>
+    <p:sldId id="267" r:id="rId13"/>
+    <p:sldId id="268" r:id="rId14"/>
+    <p:sldId id="269" r:id="rId15"/>
+    <p:sldId id="270" r:id="rId16"/>
+    <p:sldId id="271" r:id="rId17"/>
+    <p:sldId id="272" r:id="rId18"/>
+    <p:sldId id="273" r:id="rId19"/>
+    <p:sldId id="274" r:id="rId20"/>
+    <p:sldId id="275" r:id="rId21"/>
+    <p:sldId id="276" r:id="rId22"/>
+    <p:sldId id="277" r:id="rId23"/>
   </p:sldIdLst>
   <p:sldSz cx="9144000" cy="6858000" type="screen4x3"/>
   <p:notesSz cx="6858000" cy="9144000"/>
@@ -130,6 +145,1012 @@
     </p:ext>
   </p:extLst>
 </p:presentation>
+</file>
+
+<file path=ppt/notesMasters/notesMaster1.xml><?xml version="1.0" encoding="utf-8"?>
+<p:notesMaster xmlns:a="http://schemas.openxmlformats.org/drawingml/2006/main" xmlns:r="http://schemas.openxmlformats.org/officeDocument/2006/relationships" xmlns:p="http://schemas.openxmlformats.org/presentationml/2006/main">
+  <p:cSld>
+    <p:bg>
+      <p:bgRef idx="1001">
+        <a:schemeClr val="bg1"/>
+      </p:bgRef>
+    </p:bg>
+    <p:spTree>
+      <p:nvGrpSpPr>
+        <p:cNvPr id="1" name=""/>
+        <p:cNvGrpSpPr/>
+        <p:nvPr/>
+      </p:nvGrpSpPr>
+      <p:grpSpPr>
+        <a:xfrm>
+          <a:off x="0" y="0"/>
+          <a:ext cx="0" cy="0"/>
+          <a:chOff x="0" y="0"/>
+          <a:chExt cx="0" cy="0"/>
+        </a:xfrm>
+      </p:grpSpPr>
+      <p:sp>
+        <p:nvSpPr>
+          <p:cNvPr id="2" name="Header Placeholder 1"/>
+          <p:cNvSpPr>
+            <a:spLocks noGrp="1"/>
+          </p:cNvSpPr>
+          <p:nvPr>
+            <p:ph type="hdr" sz="quarter"/>
+          </p:nvPr>
+        </p:nvSpPr>
+        <p:spPr>
+          <a:xfrm>
+            <a:off x="0" y="0"/>
+            <a:ext cx="2971800" cy="458788"/>
+          </a:xfrm>
+          <a:prstGeom prst="rect">
+            <a:avLst/>
+          </a:prstGeom>
+        </p:spPr>
+        <p:txBody>
+          <a:bodyPr vert="horz" lIns="91440" tIns="45720" rIns="91440" bIns="45720" rtlCol="0"/>
+          <a:lstStyle>
+            <a:lvl1pPr algn="l">
+              <a:defRPr sz="1200"/>
+            </a:lvl1pPr>
+          </a:lstStyle>
+          <a:p>
+            <a:endParaRPr lang="en-US"/>
+          </a:p>
+        </p:txBody>
+      </p:sp>
+      <p:sp>
+        <p:nvSpPr>
+          <p:cNvPr id="3" name="Date Placeholder 2"/>
+          <p:cNvSpPr>
+            <a:spLocks noGrp="1"/>
+          </p:cNvSpPr>
+          <p:nvPr>
+            <p:ph type="dt" idx="1"/>
+          </p:nvPr>
+        </p:nvSpPr>
+        <p:spPr>
+          <a:xfrm>
+            <a:off x="3884613" y="0"/>
+            <a:ext cx="2971800" cy="458788"/>
+          </a:xfrm>
+          <a:prstGeom prst="rect">
+            <a:avLst/>
+          </a:prstGeom>
+        </p:spPr>
+        <p:txBody>
+          <a:bodyPr vert="horz" lIns="91440" tIns="45720" rIns="91440" bIns="45720" rtlCol="0"/>
+          <a:lstStyle>
+            <a:lvl1pPr algn="r">
+              <a:defRPr sz="1200"/>
+            </a:lvl1pPr>
+          </a:lstStyle>
+          <a:p>
+            <a:fld id="{0F9C1CCF-B725-44A7-AA57-5E433BD85C9F}" type="datetimeFigureOut">
+              <a:rPr lang="en-US" smtClean="0"/>
+              <a:t>2/17/2018</a:t>
+            </a:fld>
+            <a:endParaRPr lang="en-US"/>
+          </a:p>
+        </p:txBody>
+      </p:sp>
+      <p:sp>
+        <p:nvSpPr>
+          <p:cNvPr id="4" name="Slide Image Placeholder 3"/>
+          <p:cNvSpPr>
+            <a:spLocks noGrp="1" noRot="1" noChangeAspect="1"/>
+          </p:cNvSpPr>
+          <p:nvPr>
+            <p:ph type="sldImg" idx="2"/>
+          </p:nvPr>
+        </p:nvSpPr>
+        <p:spPr>
+          <a:xfrm>
+            <a:off x="1371600" y="1143000"/>
+            <a:ext cx="4114800" cy="3086100"/>
+          </a:xfrm>
+          <a:prstGeom prst="rect">
+            <a:avLst/>
+          </a:prstGeom>
+          <a:noFill/>
+          <a:ln w="12700">
+            <a:solidFill>
+              <a:prstClr val="black"/>
+            </a:solidFill>
+          </a:ln>
+        </p:spPr>
+        <p:txBody>
+          <a:bodyPr vert="horz" lIns="91440" tIns="45720" rIns="91440" bIns="45720" rtlCol="0" anchor="ctr"/>
+          <a:lstStyle/>
+          <a:p>
+            <a:endParaRPr lang="en-US"/>
+          </a:p>
+        </p:txBody>
+      </p:sp>
+      <p:sp>
+        <p:nvSpPr>
+          <p:cNvPr id="5" name="Notes Placeholder 4"/>
+          <p:cNvSpPr>
+            <a:spLocks noGrp="1"/>
+          </p:cNvSpPr>
+          <p:nvPr>
+            <p:ph type="body" sz="quarter" idx="3"/>
+          </p:nvPr>
+        </p:nvSpPr>
+        <p:spPr>
+          <a:xfrm>
+            <a:off x="685800" y="4400550"/>
+            <a:ext cx="5486400" cy="3600450"/>
+          </a:xfrm>
+          <a:prstGeom prst="rect">
+            <a:avLst/>
+          </a:prstGeom>
+        </p:spPr>
+        <p:txBody>
+          <a:bodyPr vert="horz" lIns="91440" tIns="45720" rIns="91440" bIns="45720" rtlCol="0"/>
+          <a:lstStyle/>
+          <a:p>
+            <a:pPr lvl="0"/>
+            <a:r>
+              <a:rPr lang="en-US" smtClean="0"/>
+              <a:t>Click to edit Master text styles</a:t>
+            </a:r>
+          </a:p>
+          <a:p>
+            <a:pPr lvl="1"/>
+            <a:r>
+              <a:rPr lang="en-US" smtClean="0"/>
+              <a:t>Second level</a:t>
+            </a:r>
+          </a:p>
+          <a:p>
+            <a:pPr lvl="2"/>
+            <a:r>
+              <a:rPr lang="en-US" smtClean="0"/>
+              <a:t>Third level</a:t>
+            </a:r>
+          </a:p>
+          <a:p>
+            <a:pPr lvl="3"/>
+            <a:r>
+              <a:rPr lang="en-US" smtClean="0"/>
+              <a:t>Fourth level</a:t>
+            </a:r>
+          </a:p>
+          <a:p>
+            <a:pPr lvl="4"/>
+            <a:r>
+              <a:rPr lang="en-US" smtClean="0"/>
+              <a:t>Fifth level</a:t>
+            </a:r>
+            <a:endParaRPr lang="en-US"/>
+          </a:p>
+        </p:txBody>
+      </p:sp>
+      <p:sp>
+        <p:nvSpPr>
+          <p:cNvPr id="6" name="Footer Placeholder 5"/>
+          <p:cNvSpPr>
+            <a:spLocks noGrp="1"/>
+          </p:cNvSpPr>
+          <p:nvPr>
+            <p:ph type="ftr" sz="quarter" idx="4"/>
+          </p:nvPr>
+        </p:nvSpPr>
+        <p:spPr>
+          <a:xfrm>
+            <a:off x="0" y="8685213"/>
+            <a:ext cx="2971800" cy="458787"/>
+          </a:xfrm>
+          <a:prstGeom prst="rect">
+            <a:avLst/>
+          </a:prstGeom>
+        </p:spPr>
+        <p:txBody>
+          <a:bodyPr vert="horz" lIns="91440" tIns="45720" rIns="91440" bIns="45720" rtlCol="0" anchor="b"/>
+          <a:lstStyle>
+            <a:lvl1pPr algn="l">
+              <a:defRPr sz="1200"/>
+            </a:lvl1pPr>
+          </a:lstStyle>
+          <a:p>
+            <a:endParaRPr lang="en-US"/>
+          </a:p>
+        </p:txBody>
+      </p:sp>
+      <p:sp>
+        <p:nvSpPr>
+          <p:cNvPr id="7" name="Slide Number Placeholder 6"/>
+          <p:cNvSpPr>
+            <a:spLocks noGrp="1"/>
+          </p:cNvSpPr>
+          <p:nvPr>
+            <p:ph type="sldNum" sz="quarter" idx="5"/>
+          </p:nvPr>
+        </p:nvSpPr>
+        <p:spPr>
+          <a:xfrm>
+            <a:off x="3884613" y="8685213"/>
+            <a:ext cx="2971800" cy="458787"/>
+          </a:xfrm>
+          <a:prstGeom prst="rect">
+            <a:avLst/>
+          </a:prstGeom>
+        </p:spPr>
+        <p:txBody>
+          <a:bodyPr vert="horz" lIns="91440" tIns="45720" rIns="91440" bIns="45720" rtlCol="0" anchor="b"/>
+          <a:lstStyle>
+            <a:lvl1pPr algn="r">
+              <a:defRPr sz="1200"/>
+            </a:lvl1pPr>
+          </a:lstStyle>
+          <a:p>
+            <a:fld id="{18BDFEC3-8487-43E8-A154-7C12CBC1FFF2}" type="slidenum">
+              <a:rPr lang="en-US" smtClean="0"/>
+              <a:t>‹#›</a:t>
+            </a:fld>
+            <a:endParaRPr lang="en-US"/>
+          </a:p>
+        </p:txBody>
+      </p:sp>
+    </p:spTree>
+    <p:extLst>
+      <p:ext uri="{BB962C8B-B14F-4D97-AF65-F5344CB8AC3E}">
+        <p14:creationId xmlns:p14="http://schemas.microsoft.com/office/powerpoint/2010/main" val="3782709779"/>
+      </p:ext>
+    </p:extLst>
+  </p:cSld>
+  <p:clrMap bg1="lt1" tx1="dk1" bg2="lt2" tx2="dk2" accent1="accent1" accent2="accent2" accent3="accent3" accent4="accent4" accent5="accent5" accent6="accent6" hlink="hlink" folHlink="folHlink"/>
+  <p:notesStyle>
+    <a:lvl1pPr marL="0" algn="l" defTabSz="914400" rtl="0" eaLnBrk="1" latinLnBrk="0" hangingPunct="1">
+      <a:defRPr sz="1200" kern="1200">
+        <a:solidFill>
+          <a:schemeClr val="tx1"/>
+        </a:solidFill>
+        <a:latin typeface="+mn-lt"/>
+        <a:ea typeface="+mn-ea"/>
+        <a:cs typeface="+mn-cs"/>
+      </a:defRPr>
+    </a:lvl1pPr>
+    <a:lvl2pPr marL="457200" algn="l" defTabSz="914400" rtl="0" eaLnBrk="1" latinLnBrk="0" hangingPunct="1">
+      <a:defRPr sz="1200" kern="1200">
+        <a:solidFill>
+          <a:schemeClr val="tx1"/>
+        </a:solidFill>
+        <a:latin typeface="+mn-lt"/>
+        <a:ea typeface="+mn-ea"/>
+        <a:cs typeface="+mn-cs"/>
+      </a:defRPr>
+    </a:lvl2pPr>
+    <a:lvl3pPr marL="914400" algn="l" defTabSz="914400" rtl="0" eaLnBrk="1" latinLnBrk="0" hangingPunct="1">
+      <a:defRPr sz="1200" kern="1200">
+        <a:solidFill>
+          <a:schemeClr val="tx1"/>
+        </a:solidFill>
+        <a:latin typeface="+mn-lt"/>
+        <a:ea typeface="+mn-ea"/>
+        <a:cs typeface="+mn-cs"/>
+      </a:defRPr>
+    </a:lvl3pPr>
+    <a:lvl4pPr marL="1371600" algn="l" defTabSz="914400" rtl="0" eaLnBrk="1" latinLnBrk="0" hangingPunct="1">
+      <a:defRPr sz="1200" kern="1200">
+        <a:solidFill>
+          <a:schemeClr val="tx1"/>
+        </a:solidFill>
+        <a:latin typeface="+mn-lt"/>
+        <a:ea typeface="+mn-ea"/>
+        <a:cs typeface="+mn-cs"/>
+      </a:defRPr>
+    </a:lvl4pPr>
+    <a:lvl5pPr marL="1828800" algn="l" defTabSz="914400" rtl="0" eaLnBrk="1" latinLnBrk="0" hangingPunct="1">
+      <a:defRPr sz="1200" kern="1200">
+        <a:solidFill>
+          <a:schemeClr val="tx1"/>
+        </a:solidFill>
+        <a:latin typeface="+mn-lt"/>
+        <a:ea typeface="+mn-ea"/>
+        <a:cs typeface="+mn-cs"/>
+      </a:defRPr>
+    </a:lvl5pPr>
+    <a:lvl6pPr marL="2286000" algn="l" defTabSz="914400" rtl="0" eaLnBrk="1" latinLnBrk="0" hangingPunct="1">
+      <a:defRPr sz="1200" kern="1200">
+        <a:solidFill>
+          <a:schemeClr val="tx1"/>
+        </a:solidFill>
+        <a:latin typeface="+mn-lt"/>
+        <a:ea typeface="+mn-ea"/>
+        <a:cs typeface="+mn-cs"/>
+      </a:defRPr>
+    </a:lvl6pPr>
+    <a:lvl7pPr marL="2743200" algn="l" defTabSz="914400" rtl="0" eaLnBrk="1" latinLnBrk="0" hangingPunct="1">
+      <a:defRPr sz="1200" kern="1200">
+        <a:solidFill>
+          <a:schemeClr val="tx1"/>
+        </a:solidFill>
+        <a:latin typeface="+mn-lt"/>
+        <a:ea typeface="+mn-ea"/>
+        <a:cs typeface="+mn-cs"/>
+      </a:defRPr>
+    </a:lvl7pPr>
+    <a:lvl8pPr marL="3200400" algn="l" defTabSz="914400" rtl="0" eaLnBrk="1" latinLnBrk="0" hangingPunct="1">
+      <a:defRPr sz="1200" kern="1200">
+        <a:solidFill>
+          <a:schemeClr val="tx1"/>
+        </a:solidFill>
+        <a:latin typeface="+mn-lt"/>
+        <a:ea typeface="+mn-ea"/>
+        <a:cs typeface="+mn-cs"/>
+      </a:defRPr>
+    </a:lvl8pPr>
+    <a:lvl9pPr marL="3657600" algn="l" defTabSz="914400" rtl="0" eaLnBrk="1" latinLnBrk="0" hangingPunct="1">
+      <a:defRPr sz="1200" kern="1200">
+        <a:solidFill>
+          <a:schemeClr val="tx1"/>
+        </a:solidFill>
+        <a:latin typeface="+mn-lt"/>
+        <a:ea typeface="+mn-ea"/>
+        <a:cs typeface="+mn-cs"/>
+      </a:defRPr>
+    </a:lvl9pPr>
+  </p:notesStyle>
+</p:notesMaster>
+</file>
+
+<file path=ppt/notesSlides/notesSlide1.xml><?xml version="1.0" encoding="utf-8"?>
+<p:notes xmlns:a="http://schemas.openxmlformats.org/drawingml/2006/main" xmlns:r="http://schemas.openxmlformats.org/officeDocument/2006/relationships" xmlns:p="http://schemas.openxmlformats.org/presentationml/2006/main">
+  <p:cSld>
+    <p:spTree>
+      <p:nvGrpSpPr>
+        <p:cNvPr id="1" name=""/>
+        <p:cNvGrpSpPr/>
+        <p:nvPr/>
+      </p:nvGrpSpPr>
+      <p:grpSpPr>
+        <a:xfrm>
+          <a:off x="0" y="0"/>
+          <a:ext cx="0" cy="0"/>
+          <a:chOff x="0" y="0"/>
+          <a:chExt cx="0" cy="0"/>
+        </a:xfrm>
+      </p:grpSpPr>
+      <p:sp>
+        <p:nvSpPr>
+          <p:cNvPr id="2" name="Slide Image Placeholder 1"/>
+          <p:cNvSpPr>
+            <a:spLocks noGrp="1" noRot="1" noChangeAspect="1"/>
+          </p:cNvSpPr>
+          <p:nvPr>
+            <p:ph type="sldImg"/>
+          </p:nvPr>
+        </p:nvSpPr>
+        <p:spPr/>
+      </p:sp>
+      <p:sp>
+        <p:nvSpPr>
+          <p:cNvPr id="3" name="Notes Placeholder 2"/>
+          <p:cNvSpPr>
+            <a:spLocks noGrp="1"/>
+          </p:cNvSpPr>
+          <p:nvPr>
+            <p:ph type="body" idx="1"/>
+          </p:nvPr>
+        </p:nvSpPr>
+        <p:spPr/>
+        <p:txBody>
+          <a:bodyPr/>
+          <a:lstStyle/>
+          <a:p>
+            <a:pPr lvl="1"/>
+            <a:r>
+              <a:rPr/>
+              <a:t>Conditionals</a:t>
+            </a:r>
+            <a:r>
+              <a:rPr/>
+              <a:t> </a:t>
+            </a:r>
+            <a:r>
+              <a:rPr/>
+              <a:t>are</a:t>
+            </a:r>
+            <a:r>
+              <a:rPr/>
+              <a:t> </a:t>
+            </a:r>
+            <a:r>
+              <a:rPr/>
+              <a:t>different</a:t>
+            </a:r>
+            <a:r>
+              <a:rPr/>
+              <a:t> </a:t>
+            </a:r>
+            <a:r>
+              <a:rPr/>
+              <a:t>from</a:t>
+            </a:r>
+            <a:r>
+              <a:rPr/>
+              <a:t> </a:t>
+            </a:r>
+            <a:r>
+              <a:rPr/>
+              <a:t>statements</a:t>
+            </a:r>
+            <a:r>
+              <a:rPr/>
+              <a:t> </a:t>
+            </a:r>
+            <a:r>
+              <a:rPr/>
+              <a:t>in</a:t>
+            </a:r>
+            <a:r>
+              <a:rPr/>
+              <a:t> </a:t>
+            </a:r>
+            <a:r>
+              <a:rPr/>
+              <a:t>that</a:t>
+            </a:r>
+            <a:r>
+              <a:rPr/>
+              <a:t> </a:t>
+            </a:r>
+            <a:r>
+              <a:rPr/>
+              <a:t>they</a:t>
+            </a:r>
+            <a:r>
+              <a:rPr/>
+              <a:t> </a:t>
+            </a:r>
+            <a:r>
+              <a:rPr/>
+              <a:t>are</a:t>
+            </a:r>
+            <a:r>
+              <a:rPr/>
+              <a:t> </a:t>
+            </a:r>
+            <a:r>
+              <a:rPr/>
+              <a:t>multi-statement</a:t>
+            </a:r>
+            <a:r>
+              <a:rPr/>
+              <a:t> </a:t>
+            </a:r>
+            <a:r>
+              <a:rPr/>
+              <a:t>structures</a:t>
+            </a:r>
+            <a:r>
+              <a:rPr/>
+              <a:t> </a:t>
+            </a:r>
+            <a:r>
+              <a:rPr/>
+              <a:t>of</a:t>
+            </a:r>
+            <a:r>
+              <a:rPr/>
+              <a:t> </a:t>
+            </a:r>
+            <a:r>
+              <a:rPr/>
+              <a:t>code</a:t>
+            </a:r>
+          </a:p>
+          <a:p>
+            <a:pPr lvl="0" marL="0" indent="0">
+              <a:buNone/>
+            </a:pPr>
+          </a:p>
+          <a:p>
+            <a:pPr lvl="1"/>
+            <a:r>
+              <a:rPr/>
+              <a:t>The</a:t>
+            </a:r>
+            <a:r>
+              <a:rPr/>
+              <a:t> </a:t>
+            </a:r>
+            <a:r>
+              <a:rPr/>
+              <a:t>fist</a:t>
+            </a:r>
+            <a:r>
+              <a:rPr/>
+              <a:t> </a:t>
+            </a:r>
+            <a:r>
+              <a:rPr/>
+              <a:t>line</a:t>
+            </a:r>
+            <a:r>
+              <a:rPr/>
+              <a:t> </a:t>
+            </a:r>
+            <a:r>
+              <a:rPr/>
+              <a:t>of</a:t>
+            </a:r>
+            <a:r>
+              <a:rPr/>
+              <a:t> </a:t>
+            </a:r>
+            <a:r>
+              <a:rPr/>
+              <a:t>a</a:t>
+            </a:r>
+            <a:r>
+              <a:rPr/>
+              <a:t> </a:t>
+            </a:r>
+            <a:r>
+              <a:rPr/>
+              <a:t>conditional</a:t>
+            </a:r>
+            <a:r>
+              <a:rPr/>
+              <a:t> </a:t>
+            </a:r>
+            <a:r>
+              <a:rPr/>
+              <a:t>block</a:t>
+            </a:r>
+            <a:r>
+              <a:rPr/>
+              <a:t> </a:t>
+            </a:r>
+            <a:r>
+              <a:rPr/>
+              <a:t>begins</a:t>
+            </a:r>
+            <a:r>
+              <a:rPr/>
+              <a:t> </a:t>
+            </a:r>
+            <a:r>
+              <a:rPr/>
+              <a:t>with</a:t>
+            </a:r>
+            <a:r>
+              <a:rPr/>
+              <a:t> </a:t>
+            </a:r>
+            <a:r>
+              <a:rPr/>
+              <a:t>one</a:t>
+            </a:r>
+            <a:r>
+              <a:rPr/>
+              <a:t> </a:t>
+            </a:r>
+            <a:r>
+              <a:rPr/>
+              <a:t>of</a:t>
+            </a:r>
+            <a:r>
+              <a:rPr/>
+              <a:t> </a:t>
+            </a:r>
+            <a:r>
+              <a:rPr/>
+              <a:t>the</a:t>
+            </a:r>
+            <a:r>
+              <a:rPr/>
+              <a:t> </a:t>
+            </a:r>
+            <a:r>
+              <a:rPr/>
+              <a:t>if/elif/else</a:t>
+            </a:r>
+            <a:r>
+              <a:rPr/>
+              <a:t> </a:t>
+            </a:r>
+            <a:r>
+              <a:rPr/>
+              <a:t>keywords</a:t>
+            </a:r>
+            <a:r>
+              <a:rPr/>
+              <a:t> </a:t>
+            </a:r>
+            <a:r>
+              <a:rPr/>
+              <a:t>followed</a:t>
+            </a:r>
+            <a:r>
+              <a:rPr/>
+              <a:t> </a:t>
+            </a:r>
+            <a:r>
+              <a:rPr/>
+              <a:t>by</a:t>
+            </a:r>
+            <a:r>
+              <a:rPr/>
+              <a:t> </a:t>
+            </a:r>
+            <a:r>
+              <a:rPr/>
+              <a:t>an</a:t>
+            </a:r>
+            <a:r>
+              <a:rPr/>
+              <a:t> </a:t>
+            </a:r>
+            <a:r>
+              <a:rPr/>
+              <a:t>expression</a:t>
+            </a:r>
+          </a:p>
+          <a:p>
+            <a:pPr lvl="0" marL="0" indent="0">
+              <a:buNone/>
+            </a:pPr>
+          </a:p>
+          <a:p>
+            <a:pPr lvl="1"/>
+            <a:r>
+              <a:rPr/>
+              <a:t>The</a:t>
+            </a:r>
+            <a:r>
+              <a:rPr/>
+              <a:t> </a:t>
+            </a:r>
+            <a:r>
+              <a:rPr/>
+              <a:t>first</a:t>
+            </a:r>
+            <a:r>
+              <a:rPr/>
+              <a:t> </a:t>
+            </a:r>
+            <a:r>
+              <a:rPr/>
+              <a:t>line</a:t>
+            </a:r>
+            <a:r>
+              <a:rPr/>
+              <a:t> </a:t>
+            </a:r>
+            <a:r>
+              <a:rPr/>
+              <a:t>ends</a:t>
+            </a:r>
+            <a:r>
+              <a:rPr/>
+              <a:t> </a:t>
+            </a:r>
+            <a:r>
+              <a:rPr/>
+              <a:t>with</a:t>
+            </a:r>
+            <a:r>
+              <a:rPr/>
+              <a:t> </a:t>
+            </a:r>
+            <a:r>
+              <a:rPr/>
+              <a:t>a</a:t>
+            </a:r>
+            <a:r>
+              <a:rPr/>
+              <a:t> </a:t>
+            </a:r>
+            <a:r>
+              <a:rPr/>
+              <a:t>colon</a:t>
+            </a:r>
+          </a:p>
+          <a:p>
+            <a:pPr lvl="0" marL="0" indent="0">
+              <a:buNone/>
+            </a:pPr>
+          </a:p>
+          <a:p>
+            <a:pPr lvl="1"/>
+            <a:r>
+              <a:rPr/>
+              <a:t>This</a:t>
+            </a:r>
+            <a:r>
+              <a:rPr/>
+              <a:t> </a:t>
+            </a:r>
+            <a:r>
+              <a:rPr/>
+              <a:t>first</a:t>
+            </a:r>
+            <a:r>
+              <a:rPr/>
+              <a:t> </a:t>
+            </a:r>
+            <a:r>
+              <a:rPr/>
+              <a:t>line</a:t>
+            </a:r>
+            <a:r>
+              <a:rPr/>
+              <a:t> </a:t>
+            </a:r>
+            <a:r>
+              <a:rPr/>
+              <a:t>is</a:t>
+            </a:r>
+            <a:r>
+              <a:rPr/>
+              <a:t> </a:t>
+            </a:r>
+            <a:r>
+              <a:rPr/>
+              <a:t>followed</a:t>
+            </a:r>
+            <a:r>
+              <a:rPr/>
+              <a:t> </a:t>
+            </a:r>
+            <a:r>
+              <a:rPr/>
+              <a:t>by</a:t>
+            </a:r>
+            <a:r>
+              <a:rPr/>
+              <a:t> </a:t>
+            </a:r>
+            <a:r>
+              <a:rPr/>
+              <a:t>an</a:t>
+            </a:r>
+            <a:r>
+              <a:rPr/>
+              <a:t> </a:t>
+            </a:r>
+            <a:r>
+              <a:rPr/>
+              <a:t>indented</a:t>
+            </a:r>
+            <a:r>
+              <a:rPr/>
+              <a:t> </a:t>
+            </a:r>
+            <a:r>
+              <a:rPr/>
+              <a:t>block</a:t>
+            </a:r>
+            <a:r>
+              <a:rPr/>
+              <a:t> </a:t>
+            </a:r>
+            <a:r>
+              <a:rPr/>
+              <a:t>of</a:t>
+            </a:r>
+            <a:r>
+              <a:rPr/>
+              <a:t> </a:t>
+            </a:r>
+            <a:r>
+              <a:rPr/>
+              <a:t>one</a:t>
+            </a:r>
+            <a:r>
+              <a:rPr/>
+              <a:t> </a:t>
+            </a:r>
+            <a:r>
+              <a:rPr/>
+              <a:t>or</a:t>
+            </a:r>
+            <a:r>
+              <a:rPr/>
+              <a:t> </a:t>
+            </a:r>
+            <a:r>
+              <a:rPr/>
+              <a:t>more</a:t>
+            </a:r>
+            <a:r>
+              <a:rPr/>
+              <a:t> </a:t>
+            </a:r>
+            <a:r>
+              <a:rPr/>
+              <a:t>lines</a:t>
+            </a:r>
+            <a:r>
+              <a:rPr/>
+              <a:t> </a:t>
+            </a:r>
+            <a:r>
+              <a:rPr/>
+              <a:t>of</a:t>
+            </a:r>
+            <a:r>
+              <a:rPr/>
+              <a:t> </a:t>
+            </a:r>
+            <a:r>
+              <a:rPr/>
+              <a:t>code</a:t>
+            </a:r>
+          </a:p>
+          <a:p>
+            <a:pPr lvl="0" marL="0" indent="0">
+              <a:buNone/>
+            </a:pPr>
+          </a:p>
+          <a:p>
+            <a:pPr lvl="1"/>
+            <a:r>
+              <a:rPr/>
+              <a:t>The</a:t>
+            </a:r>
+            <a:r>
+              <a:rPr/>
+              <a:t> </a:t>
+            </a:r>
+            <a:r>
+              <a:rPr/>
+              <a:t>indented</a:t>
+            </a:r>
+            <a:r>
+              <a:rPr/>
+              <a:t> </a:t>
+            </a:r>
+            <a:r>
+              <a:rPr/>
+              <a:t>block</a:t>
+            </a:r>
+            <a:r>
+              <a:rPr/>
+              <a:t> </a:t>
+            </a:r>
+            <a:r>
+              <a:rPr/>
+              <a:t>is</a:t>
+            </a:r>
+            <a:r>
+              <a:rPr/>
+              <a:t> </a:t>
+            </a:r>
+            <a:r>
+              <a:rPr/>
+              <a:t>only</a:t>
+            </a:r>
+            <a:r>
+              <a:rPr/>
+              <a:t> </a:t>
+            </a:r>
+            <a:r>
+              <a:rPr/>
+              <a:t>executed</a:t>
+            </a:r>
+            <a:r>
+              <a:rPr/>
+              <a:t> </a:t>
+            </a:r>
+            <a:r>
+              <a:rPr/>
+              <a:t>if</a:t>
+            </a:r>
+            <a:r>
+              <a:rPr/>
+              <a:t> </a:t>
+            </a:r>
+            <a:r>
+              <a:rPr/>
+              <a:t>the</a:t>
+            </a:r>
+            <a:r>
+              <a:rPr/>
+              <a:t> </a:t>
+            </a:r>
+            <a:r>
+              <a:rPr/>
+              <a:t>expression</a:t>
+            </a:r>
+            <a:r>
+              <a:rPr/>
+              <a:t> </a:t>
+            </a:r>
+            <a:r>
+              <a:rPr/>
+              <a:t>in</a:t>
+            </a:r>
+            <a:r>
+              <a:rPr/>
+              <a:t> </a:t>
+            </a:r>
+            <a:r>
+              <a:rPr/>
+              <a:t>the</a:t>
+            </a:r>
+            <a:r>
+              <a:rPr/>
+              <a:t> </a:t>
+            </a:r>
+            <a:r>
+              <a:rPr/>
+              <a:t>first</a:t>
+            </a:r>
+            <a:r>
+              <a:rPr/>
+              <a:t> </a:t>
+            </a:r>
+            <a:r>
+              <a:rPr/>
+              <a:t>line</a:t>
+            </a:r>
+            <a:r>
+              <a:rPr/>
+              <a:t> </a:t>
+            </a:r>
+            <a:r>
+              <a:rPr/>
+              <a:t>evaluates</a:t>
+            </a:r>
+            <a:r>
+              <a:rPr/>
+              <a:t> </a:t>
+            </a:r>
+            <a:r>
+              <a:rPr/>
+              <a:t>as</a:t>
+            </a:r>
+            <a:r>
+              <a:rPr/>
+              <a:t> </a:t>
+            </a:r>
+            <a:r>
+              <a:rPr/>
+              <a:t>“</a:t>
+            </a:r>
+            <a:r>
+              <a:rPr/>
+              <a:t>True</a:t>
+            </a:r>
+            <a:r>
+              <a:rPr/>
+              <a:t>”</a:t>
+            </a:r>
+          </a:p>
+        </p:txBody>
+      </p:sp>
+      <p:sp>
+        <p:nvSpPr>
+          <p:cNvPr id="4" name="Slide Number Placeholder 3"/>
+          <p:cNvSpPr>
+            <a:spLocks noGrp="1"/>
+          </p:cNvSpPr>
+          <p:nvPr>
+            <p:ph type="sldNum" sz="quarter" idx="10"/>
+          </p:nvPr>
+        </p:nvSpPr>
+        <p:spPr/>
+        <p:txBody>
+          <a:bodyPr/>
+          <a:lstStyle/>
+          <a:p>
+            <a:fld id="{18BDFEC3-8487-43E8-A154-7C12CBC1FFF2}" type="slidenum">
+              <a:rPr lang="en-US"/>
+              <a:t>20</a:t>
+            </a:fld>
+            <a:endParaRPr lang="en-US"/>
+          </a:p>
+        </p:txBody>
+      </p:sp>
+    </p:spTree>
+  </p:cSld>
+</p:notes>
 </file>
 
 <file path=ppt/slideLayouts/slideLayout1.xml><?xml version="1.0" encoding="utf-8"?>
@@ -3230,6 +4251,992 @@
       </p:grpSpPr>
       <p:sp>
         <p:nvSpPr>
+          <p:cNvPr id="3" name="Content Placeholder 2"/>
+          <p:cNvSpPr>
+            <a:spLocks noGrp="1"/>
+          </p:cNvSpPr>
+          <p:nvPr>
+            <p:ph idx="1"/>
+          </p:nvPr>
+        </p:nvSpPr>
+        <p:spPr/>
+        <p:txBody>
+          <a:bodyPr/>
+          <a:lstStyle/>
+          <a:p>
+            <a:pPr lvl="0" marL="1270000" indent="0">
+              <a:buNone/>
+            </a:pPr>
+            <a:r>
+              <a:rPr sz="1800">
+                <a:latin typeface="Courier"/>
+              </a:rPr>
+              <a:t>x </a:t>
+            </a:r>
+            <a:r>
+              <a:rPr sz="1800">
+                <a:solidFill>
+                  <a:srgbClr val="666666"/>
+                </a:solidFill>
+                <a:latin typeface="Courier"/>
+              </a:rPr>
+              <a:t>=</a:t>
+            </a:r>
+            <a:r>
+              <a:rPr sz="1800">
+                <a:latin typeface="Courier"/>
+              </a:rPr>
+              <a:t> </a:t>
+            </a:r>
+            <a:r>
+              <a:rPr sz="1800">
+                <a:solidFill>
+                  <a:srgbClr val="40A070"/>
+                </a:solidFill>
+                <a:latin typeface="Courier"/>
+              </a:rPr>
+              <a:t>2</a:t>
+            </a:r>
+            <a:r>
+              <a:rPr sz="1800">
+                <a:latin typeface="Courier"/>
+              </a:rPr>
+              <a:t> </a:t>
+            </a:r>
+            <a:br/>
+            <a:r>
+              <a:rPr sz="1800">
+                <a:latin typeface="Courier"/>
+              </a:rPr>
+              <a:t>x </a:t>
+            </a:r>
+            <a:r>
+              <a:rPr sz="1800">
+                <a:solidFill>
+                  <a:srgbClr val="666666"/>
+                </a:solidFill>
+                <a:latin typeface="Courier"/>
+              </a:rPr>
+              <a:t>*</a:t>
+            </a:r>
+            <a:r>
+              <a:rPr sz="1800">
+                <a:latin typeface="Courier"/>
+              </a:rPr>
+              <a:t> x</a:t>
+            </a:r>
+          </a:p>
+          <a:p>
+            <a:pPr lvl="0" marL="0" indent="0">
+              <a:buNone/>
+            </a:pPr>
+            <a:r>
+              <a:rPr b="1"/>
+              <a:t>4</a:t>
+            </a:r>
+          </a:p>
+        </p:txBody>
+      </p:sp>
+    </p:spTree>
+  </p:cSld>
+</p:sld>
+</file>
+
+<file path=ppt/slides/slide11.xml><?xml version="1.0" encoding="utf-8"?>
+<p:sld xmlns:a="http://schemas.openxmlformats.org/drawingml/2006/main" xmlns:r="http://schemas.openxmlformats.org/officeDocument/2006/relationships" xmlns:p="http://schemas.openxmlformats.org/presentationml/2006/main">
+  <p:cSld>
+    <p:spTree>
+      <p:nvGrpSpPr>
+        <p:cNvPr id="1" name=""/>
+        <p:cNvGrpSpPr/>
+        <p:nvPr/>
+      </p:nvGrpSpPr>
+      <p:grpSpPr>
+        <a:xfrm>
+          <a:off x="0" y="0"/>
+          <a:ext cx="0" cy="0"/>
+          <a:chOff x="0" y="0"/>
+          <a:chExt cx="0" cy="0"/>
+        </a:xfrm>
+      </p:grpSpPr>
+      <p:sp>
+        <p:nvSpPr>
+          <p:cNvPr id="3" name="Content Placeholder 2"/>
+          <p:cNvSpPr>
+            <a:spLocks noGrp="1"/>
+          </p:cNvSpPr>
+          <p:nvPr>
+            <p:ph idx="1"/>
+          </p:nvPr>
+        </p:nvSpPr>
+        <p:spPr/>
+        <p:txBody>
+          <a:bodyPr/>
+          <a:lstStyle/>
+          <a:p>
+            <a:pPr lvl="0" marL="1270000" indent="0">
+              <a:buNone/>
+            </a:pPr>
+            <a:r>
+              <a:rPr sz="1800">
+                <a:latin typeface="Courier"/>
+              </a:rPr>
+              <a:t>x </a:t>
+            </a:r>
+            <a:r>
+              <a:rPr sz="1800">
+                <a:solidFill>
+                  <a:srgbClr val="666666"/>
+                </a:solidFill>
+                <a:latin typeface="Courier"/>
+              </a:rPr>
+              <a:t>=</a:t>
+            </a:r>
+            <a:r>
+              <a:rPr sz="1800">
+                <a:latin typeface="Courier"/>
+              </a:rPr>
+              <a:t> </a:t>
+            </a:r>
+            <a:r>
+              <a:rPr sz="1800">
+                <a:solidFill>
+                  <a:srgbClr val="40A070"/>
+                </a:solidFill>
+                <a:latin typeface="Courier"/>
+              </a:rPr>
+              <a:t>2</a:t>
+            </a:r>
+            <a:br/>
+            <a:r>
+              <a:rPr sz="1800">
+                <a:latin typeface="Courier"/>
+              </a:rPr>
+              <a:t>x </a:t>
+            </a:r>
+            <a:r>
+              <a:rPr sz="1800">
+                <a:solidFill>
+                  <a:srgbClr val="666666"/>
+                </a:solidFill>
+                <a:latin typeface="Courier"/>
+              </a:rPr>
+              <a:t>**</a:t>
+            </a:r>
+            <a:r>
+              <a:rPr sz="1800">
+                <a:latin typeface="Courier"/>
+              </a:rPr>
+              <a:t> </a:t>
+            </a:r>
+            <a:r>
+              <a:rPr sz="1800">
+                <a:solidFill>
+                  <a:srgbClr val="40A070"/>
+                </a:solidFill>
+                <a:latin typeface="Courier"/>
+              </a:rPr>
+              <a:t>3</a:t>
+            </a:r>
+          </a:p>
+          <a:p>
+            <a:pPr lvl="0" marL="0" indent="0">
+              <a:buNone/>
+            </a:pPr>
+            <a:r>
+              <a:rPr b="1"/>
+              <a:t>8</a:t>
+            </a:r>
+          </a:p>
+        </p:txBody>
+      </p:sp>
+    </p:spTree>
+  </p:cSld>
+</p:sld>
+</file>
+
+<file path=ppt/slides/slide12.xml><?xml version="1.0" encoding="utf-8"?>
+<p:sld xmlns:a="http://schemas.openxmlformats.org/drawingml/2006/main" xmlns:r="http://schemas.openxmlformats.org/officeDocument/2006/relationships" xmlns:p="http://schemas.openxmlformats.org/presentationml/2006/main">
+  <p:cSld>
+    <p:spTree>
+      <p:nvGrpSpPr>
+        <p:cNvPr id="1" name=""/>
+        <p:cNvGrpSpPr/>
+        <p:nvPr/>
+      </p:nvGrpSpPr>
+      <p:grpSpPr>
+        <a:xfrm>
+          <a:off x="0" y="0"/>
+          <a:ext cx="0" cy="0"/>
+          <a:chOff x="0" y="0"/>
+          <a:chExt cx="0" cy="0"/>
+        </a:xfrm>
+      </p:grpSpPr>
+      <p:sp>
+        <p:nvSpPr>
+          <p:cNvPr id="3" name="Content Placeholder 2"/>
+          <p:cNvSpPr>
+            <a:spLocks noGrp="1"/>
+          </p:cNvSpPr>
+          <p:nvPr>
+            <p:ph idx="1"/>
+          </p:nvPr>
+        </p:nvSpPr>
+        <p:spPr/>
+        <p:txBody>
+          <a:bodyPr/>
+          <a:lstStyle/>
+          <a:p>
+            <a:pPr lvl="0" marL="1270000" indent="0">
+              <a:buNone/>
+            </a:pPr>
+            <a:r>
+              <a:rPr sz="1800">
+                <a:latin typeface="Courier"/>
+              </a:rPr>
+              <a:t>x </a:t>
+            </a:r>
+            <a:r>
+              <a:rPr sz="1800">
+                <a:solidFill>
+                  <a:srgbClr val="666666"/>
+                </a:solidFill>
+                <a:latin typeface="Courier"/>
+              </a:rPr>
+              <a:t>=</a:t>
+            </a:r>
+            <a:r>
+              <a:rPr sz="1800">
+                <a:latin typeface="Courier"/>
+              </a:rPr>
+              <a:t> </a:t>
+            </a:r>
+            <a:r>
+              <a:rPr sz="1800">
+                <a:solidFill>
+                  <a:srgbClr val="40A070"/>
+                </a:solidFill>
+                <a:latin typeface="Courier"/>
+              </a:rPr>
+              <a:t>2</a:t>
+            </a:r>
+            <a:r>
+              <a:rPr sz="1800">
+                <a:latin typeface="Courier"/>
+              </a:rPr>
+              <a:t> </a:t>
+            </a:r>
+            <a:br/>
+            <a:r>
+              <a:rPr sz="1800">
+                <a:latin typeface="Courier"/>
+              </a:rPr>
+              <a:t>y </a:t>
+            </a:r>
+            <a:r>
+              <a:rPr sz="1800">
+                <a:solidFill>
+                  <a:srgbClr val="666666"/>
+                </a:solidFill>
+                <a:latin typeface="Courier"/>
+              </a:rPr>
+              <a:t>=</a:t>
+            </a:r>
+            <a:r>
+              <a:rPr sz="1800">
+                <a:latin typeface="Courier"/>
+              </a:rPr>
+              <a:t> </a:t>
+            </a:r>
+            <a:r>
+              <a:rPr sz="1800">
+                <a:solidFill>
+                  <a:srgbClr val="40A070"/>
+                </a:solidFill>
+                <a:latin typeface="Courier"/>
+              </a:rPr>
+              <a:t>3</a:t>
+            </a:r>
+            <a:br/>
+            <a:r>
+              <a:rPr sz="1800">
+                <a:latin typeface="Courier"/>
+              </a:rPr>
+              <a:t>x </a:t>
+            </a:r>
+            <a:r>
+              <a:rPr sz="1800">
+                <a:solidFill>
+                  <a:srgbClr val="666666"/>
+                </a:solidFill>
+                <a:latin typeface="Courier"/>
+              </a:rPr>
+              <a:t>==</a:t>
+            </a:r>
+            <a:r>
+              <a:rPr sz="1800">
+                <a:latin typeface="Courier"/>
+              </a:rPr>
+              <a:t> y</a:t>
+            </a:r>
+          </a:p>
+          <a:p>
+            <a:pPr lvl="0" marL="0" indent="0">
+              <a:buNone/>
+            </a:pPr>
+            <a:r>
+              <a:rPr b="1"/>
+              <a:t>False</a:t>
+            </a:r>
+          </a:p>
+        </p:txBody>
+      </p:sp>
+    </p:spTree>
+  </p:cSld>
+</p:sld>
+</file>
+
+<file path=ppt/slides/slide13.xml><?xml version="1.0" encoding="utf-8"?>
+<p:sld xmlns:a="http://schemas.openxmlformats.org/drawingml/2006/main" xmlns:r="http://schemas.openxmlformats.org/officeDocument/2006/relationships" xmlns:p="http://schemas.openxmlformats.org/presentationml/2006/main">
+  <p:cSld>
+    <p:spTree>
+      <p:nvGrpSpPr>
+        <p:cNvPr id="1" name=""/>
+        <p:cNvGrpSpPr/>
+        <p:nvPr/>
+      </p:nvGrpSpPr>
+      <p:grpSpPr>
+        <a:xfrm>
+          <a:off x="0" y="0"/>
+          <a:ext cx="0" cy="0"/>
+          <a:chOff x="0" y="0"/>
+          <a:chExt cx="0" cy="0"/>
+        </a:xfrm>
+      </p:grpSpPr>
+      <p:sp>
+        <p:nvSpPr>
+          <p:cNvPr id="3" name="Content Placeholder 2"/>
+          <p:cNvSpPr>
+            <a:spLocks noGrp="1"/>
+          </p:cNvSpPr>
+          <p:nvPr>
+            <p:ph idx="1"/>
+          </p:nvPr>
+        </p:nvSpPr>
+        <p:spPr/>
+        <p:txBody>
+          <a:bodyPr/>
+          <a:lstStyle/>
+          <a:p>
+            <a:pPr lvl="0" marL="1270000" indent="0">
+              <a:buNone/>
+            </a:pPr>
+            <a:r>
+              <a:rPr sz="1800">
+                <a:latin typeface="Courier"/>
+              </a:rPr>
+              <a:t>x </a:t>
+            </a:r>
+            <a:r>
+              <a:rPr sz="1800">
+                <a:solidFill>
+                  <a:srgbClr val="666666"/>
+                </a:solidFill>
+                <a:latin typeface="Courier"/>
+              </a:rPr>
+              <a:t>=</a:t>
+            </a:r>
+            <a:r>
+              <a:rPr sz="1800">
+                <a:latin typeface="Courier"/>
+              </a:rPr>
+              <a:t> </a:t>
+            </a:r>
+            <a:r>
+              <a:rPr sz="1800">
+                <a:solidFill>
+                  <a:srgbClr val="40A070"/>
+                </a:solidFill>
+                <a:latin typeface="Courier"/>
+              </a:rPr>
+              <a:t>80</a:t>
+            </a:r>
+            <a:br/>
+            <a:r>
+              <a:rPr sz="1800">
+                <a:latin typeface="Courier"/>
+              </a:rPr>
+              <a:t>y </a:t>
+            </a:r>
+            <a:r>
+              <a:rPr sz="1800">
+                <a:solidFill>
+                  <a:srgbClr val="666666"/>
+                </a:solidFill>
+                <a:latin typeface="Courier"/>
+              </a:rPr>
+              <a:t>=</a:t>
+            </a:r>
+            <a:r>
+              <a:rPr sz="1800">
+                <a:latin typeface="Courier"/>
+              </a:rPr>
+              <a:t> </a:t>
+            </a:r>
+            <a:r>
+              <a:rPr sz="1800">
+                <a:solidFill>
+                  <a:srgbClr val="40A070"/>
+                </a:solidFill>
+                <a:latin typeface="Courier"/>
+              </a:rPr>
+              <a:t>30</a:t>
+            </a:r>
+            <a:br/>
+            <a:r>
+              <a:rPr sz="1800">
+                <a:latin typeface="Courier"/>
+              </a:rPr>
+              <a:t>x </a:t>
+            </a:r>
+            <a:r>
+              <a:rPr sz="1800">
+                <a:solidFill>
+                  <a:srgbClr val="666666"/>
+                </a:solidFill>
+                <a:latin typeface="Courier"/>
+              </a:rPr>
+              <a:t>-</a:t>
+            </a:r>
+            <a:r>
+              <a:rPr sz="1800">
+                <a:latin typeface="Courier"/>
+              </a:rPr>
+              <a:t> y</a:t>
+            </a:r>
+          </a:p>
+          <a:p>
+            <a:pPr lvl="0" marL="0" indent="0">
+              <a:buNone/>
+            </a:pPr>
+            <a:r>
+              <a:rPr b="1"/>
+              <a:t>50</a:t>
+            </a:r>
+          </a:p>
+        </p:txBody>
+      </p:sp>
+    </p:spTree>
+  </p:cSld>
+</p:sld>
+</file>
+
+<file path=ppt/slides/slide14.xml><?xml version="1.0" encoding="utf-8"?>
+<p:sld xmlns:a="http://schemas.openxmlformats.org/drawingml/2006/main" xmlns:r="http://schemas.openxmlformats.org/officeDocument/2006/relationships" xmlns:p="http://schemas.openxmlformats.org/presentationml/2006/main">
+  <p:cSld>
+    <p:spTree>
+      <p:nvGrpSpPr>
+        <p:cNvPr id="1" name=""/>
+        <p:cNvGrpSpPr/>
+        <p:nvPr/>
+      </p:nvGrpSpPr>
+      <p:grpSpPr>
+        <a:xfrm>
+          <a:off x="0" y="0"/>
+          <a:ext cx="0" cy="0"/>
+          <a:chOff x="0" y="0"/>
+          <a:chExt cx="0" cy="0"/>
+        </a:xfrm>
+      </p:grpSpPr>
+      <p:sp>
+        <p:nvSpPr>
+          <p:cNvPr id="3" name="Content Placeholder 2"/>
+          <p:cNvSpPr>
+            <a:spLocks noGrp="1"/>
+          </p:cNvSpPr>
+          <p:nvPr>
+            <p:ph idx="1"/>
+          </p:nvPr>
+        </p:nvSpPr>
+        <p:spPr/>
+        <p:txBody>
+          <a:bodyPr/>
+          <a:lstStyle/>
+          <a:p>
+            <a:pPr lvl="0" marL="1270000" indent="0">
+              <a:buNone/>
+            </a:pPr>
+            <a:r>
+              <a:rPr sz="1800">
+                <a:latin typeface="Courier"/>
+              </a:rPr>
+              <a:t>x </a:t>
+            </a:r>
+            <a:r>
+              <a:rPr sz="1800">
+                <a:solidFill>
+                  <a:srgbClr val="666666"/>
+                </a:solidFill>
+                <a:latin typeface="Courier"/>
+              </a:rPr>
+              <a:t>=</a:t>
+            </a:r>
+            <a:r>
+              <a:rPr sz="1800">
+                <a:latin typeface="Courier"/>
+              </a:rPr>
+              <a:t> </a:t>
+            </a:r>
+            <a:r>
+              <a:rPr sz="1800">
+                <a:solidFill>
+                  <a:srgbClr val="40A070"/>
+                </a:solidFill>
+                <a:latin typeface="Courier"/>
+              </a:rPr>
+              <a:t>2</a:t>
+            </a:r>
+            <a:br/>
+            <a:r>
+              <a:rPr sz="1800">
+                <a:latin typeface="Courier"/>
+              </a:rPr>
+              <a:t>y </a:t>
+            </a:r>
+            <a:r>
+              <a:rPr sz="1800">
+                <a:solidFill>
+                  <a:srgbClr val="666666"/>
+                </a:solidFill>
+                <a:latin typeface="Courier"/>
+              </a:rPr>
+              <a:t>=</a:t>
+            </a:r>
+            <a:r>
+              <a:rPr sz="1800">
+                <a:latin typeface="Courier"/>
+              </a:rPr>
+              <a:t> </a:t>
+            </a:r>
+            <a:r>
+              <a:rPr sz="1800">
+                <a:solidFill>
+                  <a:srgbClr val="40A070"/>
+                </a:solidFill>
+                <a:latin typeface="Courier"/>
+              </a:rPr>
+              <a:t>3</a:t>
+            </a:r>
+            <a:br/>
+            <a:r>
+              <a:rPr sz="1800">
+                <a:latin typeface="Courier"/>
+              </a:rPr>
+              <a:t>y </a:t>
+            </a:r>
+            <a:r>
+              <a:rPr sz="1800">
+                <a:solidFill>
+                  <a:srgbClr val="666666"/>
+                </a:solidFill>
+                <a:latin typeface="Courier"/>
+              </a:rPr>
+              <a:t>-</a:t>
+            </a:r>
+            <a:r>
+              <a:rPr sz="1800">
+                <a:latin typeface="Courier"/>
+              </a:rPr>
+              <a:t> x </a:t>
+            </a:r>
+            <a:r>
+              <a:rPr sz="1800">
+                <a:solidFill>
+                  <a:srgbClr val="666666"/>
+                </a:solidFill>
+                <a:latin typeface="Courier"/>
+              </a:rPr>
+              <a:t>+</a:t>
+            </a:r>
+            <a:r>
+              <a:rPr sz="1800">
+                <a:latin typeface="Courier"/>
+              </a:rPr>
+              <a:t> </a:t>
+            </a:r>
+            <a:r>
+              <a:rPr sz="1800">
+                <a:solidFill>
+                  <a:srgbClr val="40A070"/>
+                </a:solidFill>
+                <a:latin typeface="Courier"/>
+              </a:rPr>
+              <a:t>4</a:t>
+            </a:r>
+          </a:p>
+          <a:p>
+            <a:pPr lvl="0" marL="0" indent="0">
+              <a:buNone/>
+            </a:pPr>
+            <a:r>
+              <a:rPr b="1"/>
+              <a:t>5</a:t>
+            </a:r>
+          </a:p>
+        </p:txBody>
+      </p:sp>
+    </p:spTree>
+  </p:cSld>
+</p:sld>
+</file>
+
+<file path=ppt/slides/slide15.xml><?xml version="1.0" encoding="utf-8"?>
+<p:sld xmlns:a="http://schemas.openxmlformats.org/drawingml/2006/main" xmlns:r="http://schemas.openxmlformats.org/officeDocument/2006/relationships" xmlns:p="http://schemas.openxmlformats.org/presentationml/2006/main">
+  <p:cSld>
+    <p:spTree>
+      <p:nvGrpSpPr>
+        <p:cNvPr id="1" name=""/>
+        <p:cNvGrpSpPr/>
+        <p:nvPr/>
+      </p:nvGrpSpPr>
+      <p:grpSpPr>
+        <a:xfrm>
+          <a:off x="0" y="0"/>
+          <a:ext cx="0" cy="0"/>
+          <a:chOff x="0" y="0"/>
+          <a:chExt cx="0" cy="0"/>
+        </a:xfrm>
+      </p:grpSpPr>
+      <p:sp>
+        <p:nvSpPr>
+          <p:cNvPr id="3" name="Content Placeholder 2"/>
+          <p:cNvSpPr>
+            <a:spLocks noGrp="1"/>
+          </p:cNvSpPr>
+          <p:nvPr>
+            <p:ph idx="1"/>
+          </p:nvPr>
+        </p:nvSpPr>
+        <p:spPr/>
+        <p:txBody>
+          <a:bodyPr/>
+          <a:lstStyle/>
+          <a:p>
+            <a:pPr lvl="0" marL="1270000" indent="0">
+              <a:buNone/>
+            </a:pPr>
+            <a:r>
+              <a:rPr sz="1800">
+                <a:latin typeface="Courier"/>
+              </a:rPr>
+              <a:t>x </a:t>
+            </a:r>
+            <a:r>
+              <a:rPr sz="1800">
+                <a:solidFill>
+                  <a:srgbClr val="666666"/>
+                </a:solidFill>
+                <a:latin typeface="Courier"/>
+              </a:rPr>
+              <a:t>=</a:t>
+            </a:r>
+            <a:r>
+              <a:rPr sz="1800">
+                <a:latin typeface="Courier"/>
+              </a:rPr>
+              <a:t> </a:t>
+            </a:r>
+            <a:r>
+              <a:rPr sz="1800">
+                <a:solidFill>
+                  <a:srgbClr val="40A070"/>
+                </a:solidFill>
+                <a:latin typeface="Courier"/>
+              </a:rPr>
+              <a:t>2</a:t>
+            </a:r>
+            <a:br/>
+            <a:r>
+              <a:rPr sz="1800">
+                <a:solidFill>
+                  <a:srgbClr val="40A070"/>
+                </a:solidFill>
+                <a:latin typeface="Courier"/>
+              </a:rPr>
+              <a:t>2</a:t>
+            </a:r>
+            <a:r>
+              <a:rPr sz="1800">
+                <a:latin typeface="Courier"/>
+              </a:rPr>
+              <a:t> </a:t>
+            </a:r>
+            <a:r>
+              <a:rPr sz="1800">
+                <a:solidFill>
+                  <a:srgbClr val="666666"/>
+                </a:solidFill>
+                <a:latin typeface="Courier"/>
+              </a:rPr>
+              <a:t>+</a:t>
+            </a:r>
+            <a:r>
+              <a:rPr sz="1800">
+                <a:latin typeface="Courier"/>
+              </a:rPr>
+              <a:t> x </a:t>
+            </a:r>
+            <a:r>
+              <a:rPr sz="1800">
+                <a:solidFill>
+                  <a:srgbClr val="666666"/>
+                </a:solidFill>
+                <a:latin typeface="Courier"/>
+              </a:rPr>
+              <a:t>**</a:t>
+            </a:r>
+            <a:r>
+              <a:rPr sz="1800">
+                <a:latin typeface="Courier"/>
+              </a:rPr>
+              <a:t> </a:t>
+            </a:r>
+            <a:r>
+              <a:rPr sz="1800">
+                <a:solidFill>
+                  <a:srgbClr val="40A070"/>
+                </a:solidFill>
+                <a:latin typeface="Courier"/>
+              </a:rPr>
+              <a:t>3</a:t>
+            </a:r>
+          </a:p>
+          <a:p>
+            <a:pPr lvl="0" marL="0" indent="0">
+              <a:buNone/>
+            </a:pPr>
+            <a:r>
+              <a:rPr b="1"/>
+              <a:t>10</a:t>
+            </a:r>
+          </a:p>
+        </p:txBody>
+      </p:sp>
+    </p:spTree>
+  </p:cSld>
+</p:sld>
+</file>
+
+<file path=ppt/slides/slide16.xml><?xml version="1.0" encoding="utf-8"?>
+<p:sld xmlns:a="http://schemas.openxmlformats.org/drawingml/2006/main" xmlns:r="http://schemas.openxmlformats.org/officeDocument/2006/relationships" xmlns:p="http://schemas.openxmlformats.org/presentationml/2006/main">
+  <p:cSld>
+    <p:spTree>
+      <p:nvGrpSpPr>
+        <p:cNvPr id="1" name=""/>
+        <p:cNvGrpSpPr/>
+        <p:nvPr/>
+      </p:nvGrpSpPr>
+      <p:grpSpPr>
+        <a:xfrm>
+          <a:off x="0" y="0"/>
+          <a:ext cx="0" cy="0"/>
+          <a:chOff x="0" y="0"/>
+          <a:chExt cx="0" cy="0"/>
+        </a:xfrm>
+      </p:grpSpPr>
+      <p:sp>
+        <p:nvSpPr>
+          <p:cNvPr id="3" name="Content Placeholder 2"/>
+          <p:cNvSpPr>
+            <a:spLocks noGrp="1"/>
+          </p:cNvSpPr>
+          <p:nvPr>
+            <p:ph idx="1"/>
+          </p:nvPr>
+        </p:nvSpPr>
+        <p:spPr/>
+        <p:txBody>
+          <a:bodyPr/>
+          <a:lstStyle/>
+          <a:p>
+            <a:pPr lvl="0" marL="0" indent="0">
+              <a:buNone/>
+            </a:pPr>
+            <a:r>
+              <a:rPr/>
+              <a:t>Operators behave differently depending on the </a:t>
+            </a:r>
+            <a:r>
+              <a:rPr i="1"/>
+              <a:t>type</a:t>
+            </a:r>
+            <a:r>
+              <a:rPr/>
+              <a:t>:</a:t>
+            </a:r>
+          </a:p>
+          <a:p>
+            <a:pPr lvl="0" marL="1270000" indent="0">
+              <a:buNone/>
+            </a:pPr>
+            <a:r>
+              <a:rPr sz="1800" i="1">
+                <a:solidFill>
+                  <a:srgbClr val="60A0B0"/>
+                </a:solidFill>
+                <a:latin typeface="Courier"/>
+              </a:rPr>
+              <a:t>"u"</a:t>
+            </a:r>
+            <a:r>
+              <a:rPr sz="1800">
+                <a:latin typeface="Courier"/>
+              </a:rPr>
+              <a:t> </a:t>
+            </a:r>
+            <a:r>
+              <a:rPr sz="1800">
+                <a:solidFill>
+                  <a:srgbClr val="666666"/>
+                </a:solidFill>
+                <a:latin typeface="Courier"/>
+              </a:rPr>
+              <a:t>+</a:t>
+            </a:r>
+            <a:r>
+              <a:rPr sz="1800">
+                <a:latin typeface="Courier"/>
+              </a:rPr>
+              <a:t> </a:t>
+            </a:r>
+            <a:r>
+              <a:rPr sz="1800">
+                <a:solidFill>
+                  <a:srgbClr val="4070A0"/>
+                </a:solidFill>
+                <a:latin typeface="Courier"/>
+              </a:rPr>
+              <a:t>"m"</a:t>
+            </a:r>
+            <a:r>
+              <a:rPr sz="1800">
+                <a:latin typeface="Courier"/>
+              </a:rPr>
+              <a:t> </a:t>
+            </a:r>
+            <a:r>
+              <a:rPr sz="1800">
+                <a:solidFill>
+                  <a:srgbClr val="666666"/>
+                </a:solidFill>
+                <a:latin typeface="Courier"/>
+              </a:rPr>
+              <a:t>+</a:t>
+            </a:r>
+            <a:r>
+              <a:rPr sz="1800">
+                <a:latin typeface="Courier"/>
+              </a:rPr>
+              <a:t> </a:t>
+            </a:r>
+            <a:r>
+              <a:rPr sz="1800">
+                <a:solidFill>
+                  <a:srgbClr val="4070A0"/>
+                </a:solidFill>
+                <a:latin typeface="Courier"/>
+              </a:rPr>
+              <a:t>"d"</a:t>
+            </a:r>
+          </a:p>
+          <a:p>
+            <a:pPr lvl="0" marL="0" indent="0">
+              <a:buNone/>
+            </a:pPr>
+            <a:r>
+              <a:rPr b="1"/>
+              <a:t>umd</a:t>
+            </a:r>
+          </a:p>
+          <a:p>
+            <a:pPr lvl="0" marL="1270000" indent="0">
+              <a:buNone/>
+            </a:pPr>
+            <a:r>
+              <a:rPr sz="1800" i="1">
+                <a:solidFill>
+                  <a:srgbClr val="60A0B0"/>
+                </a:solidFill>
+                <a:latin typeface="Courier"/>
+              </a:rPr>
+              <a:t>"umd "</a:t>
+            </a:r>
+            <a:r>
+              <a:rPr sz="1800">
+                <a:latin typeface="Courier"/>
+              </a:rPr>
+              <a:t> </a:t>
+            </a:r>
+            <a:r>
+              <a:rPr sz="1800">
+                <a:solidFill>
+                  <a:srgbClr val="666666"/>
+                </a:solidFill>
+                <a:latin typeface="Courier"/>
+              </a:rPr>
+              <a:t>*</a:t>
+            </a:r>
+            <a:r>
+              <a:rPr sz="1800">
+                <a:latin typeface="Courier"/>
+              </a:rPr>
+              <a:t> </a:t>
+            </a:r>
+            <a:r>
+              <a:rPr sz="1800">
+                <a:solidFill>
+                  <a:srgbClr val="40A070"/>
+                </a:solidFill>
+                <a:latin typeface="Courier"/>
+              </a:rPr>
+              <a:t>5</a:t>
+            </a:r>
+          </a:p>
+          <a:p>
+            <a:pPr lvl="0" marL="0" indent="0">
+              <a:buNone/>
+            </a:pPr>
+            <a:r>
+              <a:rPr b="1"/>
+              <a:t>umd umd umd umd umd</a:t>
+            </a:r>
+          </a:p>
+        </p:txBody>
+      </p:sp>
+    </p:spTree>
+  </p:cSld>
+</p:sld>
+</file>
+
+<file path=ppt/slides/slide17.xml><?xml version="1.0" encoding="utf-8"?>
+<p:sld xmlns:a="http://schemas.openxmlformats.org/drawingml/2006/main" xmlns:r="http://schemas.openxmlformats.org/officeDocument/2006/relationships" xmlns:p="http://schemas.openxmlformats.org/presentationml/2006/main">
+  <p:cSld>
+    <p:spTree>
+      <p:nvGrpSpPr>
+        <p:cNvPr id="1" name=""/>
+        <p:cNvGrpSpPr/>
+        <p:nvPr/>
+      </p:nvGrpSpPr>
+      <p:grpSpPr>
+        <a:xfrm>
+          <a:off x="0" y="0"/>
+          <a:ext cx="0" cy="0"/>
+          <a:chOff x="0" y="0"/>
+          <a:chExt cx="0" cy="0"/>
+        </a:xfrm>
+      </p:grpSpPr>
+      <p:sp>
+        <p:nvSpPr>
           <p:cNvPr id="2" name="Title 1"/>
           <p:cNvSpPr>
             <a:spLocks noGrp="1"/>
@@ -3248,23 +5255,23 @@
             </a:pPr>
             <a:r>
               <a:rPr/>
-              <a:t>Structure</a:t>
-            </a:r>
-            <a:r>
-              <a:rPr/>
-              <a:t> </a:t>
-            </a:r>
-            <a:r>
-              <a:rPr/>
-              <a:t>of</a:t>
-            </a:r>
-            <a:r>
-              <a:rPr/>
-              <a:t> </a:t>
-            </a:r>
-            <a:r>
-              <a:rPr/>
-              <a:t>Conditionals</a:t>
+              <a:t>What</a:t>
+            </a:r>
+            <a:r>
+              <a:rPr/>
+              <a:t> </a:t>
+            </a:r>
+            <a:r>
+              <a:rPr/>
+              <a:t>are</a:t>
+            </a:r>
+            <a:r>
+              <a:rPr/>
+              <a:t> </a:t>
+            </a:r>
+            <a:r>
+              <a:rPr/>
+              <a:t>Statements?</a:t>
             </a:r>
           </a:p>
         </p:txBody>
@@ -3287,309 +5294,238 @@
             <a:pPr lvl="1"/>
             <a:r>
               <a:rPr/>
-              <a:t>Conditionals are different from statements in that they are multi-statement structures of code</a:t>
+              <a:t>Statements are the most basic units of executable Python code.</a:t>
             </a:r>
           </a:p>
           <a:p>
             <a:pPr lvl="1"/>
             <a:r>
               <a:rPr/>
-              <a:t>The fist line of a conditional block begins with one of the if/elif/else keywords followed by an expression</a:t>
-            </a:r>
-          </a:p>
+              <a:t>A Python program is a series of statements executed in order.</a:t>
+            </a:r>
+          </a:p>
+        </p:txBody>
+      </p:sp>
+    </p:spTree>
+  </p:cSld>
+</p:sld>
+</file>
+
+<file path=ppt/slides/slide18.xml><?xml version="1.0" encoding="utf-8"?>
+<p:sld xmlns:a="http://schemas.openxmlformats.org/drawingml/2006/main" xmlns:r="http://schemas.openxmlformats.org/officeDocument/2006/relationships" xmlns:p="http://schemas.openxmlformats.org/presentationml/2006/main">
+  <p:cSld>
+    <p:spTree>
+      <p:nvGrpSpPr>
+        <p:cNvPr id="1" name=""/>
+        <p:cNvGrpSpPr/>
+        <p:nvPr/>
+      </p:nvGrpSpPr>
+      <p:grpSpPr>
+        <a:xfrm>
+          <a:off x="0" y="0"/>
+          <a:ext cx="0" cy="0"/>
+          <a:chOff x="0" y="0"/>
+          <a:chExt cx="0" cy="0"/>
+        </a:xfrm>
+      </p:grpSpPr>
+      <p:sp>
+        <p:nvSpPr>
+          <p:cNvPr id="3" name="Content Placeholder 2"/>
+          <p:cNvSpPr>
+            <a:spLocks noGrp="1"/>
+          </p:cNvSpPr>
+          <p:nvPr>
+            <p:ph idx="1"/>
+          </p:nvPr>
+        </p:nvSpPr>
+        <p:spPr/>
+        <p:txBody>
+          <a:bodyPr/>
+          <a:lstStyle/>
+          <a:p>
+            <a:pPr lvl="0" marL="0" indent="0">
+              <a:buNone/>
+            </a:pPr>
+            <a:r>
+              <a:rPr/>
+              <a:t>Try these statements to input and print a variable:</a:t>
+            </a:r>
+          </a:p>
+          <a:p>
+            <a:pPr lvl="0" marL="1270000" indent="0">
+              <a:buNone/>
+            </a:pPr>
+            <a:r>
+              <a:rPr sz="1800">
+                <a:latin typeface="Courier"/>
+              </a:rPr>
+              <a:t>username </a:t>
+            </a:r>
+            <a:r>
+              <a:rPr sz="1800">
+                <a:solidFill>
+                  <a:srgbClr val="666666"/>
+                </a:solidFill>
+                <a:latin typeface="Courier"/>
+              </a:rPr>
+              <a:t>=</a:t>
+            </a:r>
+            <a:r>
+              <a:rPr sz="1800">
+                <a:latin typeface="Courier"/>
+              </a:rPr>
+              <a:t> input(</a:t>
+            </a:r>
+            <a:r>
+              <a:rPr sz="1800">
+                <a:solidFill>
+                  <a:srgbClr val="4070A0"/>
+                </a:solidFill>
+                <a:latin typeface="Courier"/>
+              </a:rPr>
+              <a:t>'Enter your name: ")</a:t>
+            </a:r>
+            <a:br/>
+            <a:r>
+              <a:rPr sz="1800">
+                <a:solidFill>
+                  <a:srgbClr val="4070A0"/>
+                </a:solidFill>
+                <a:latin typeface="Courier"/>
+              </a:rPr>
+              <a:t>print("Hello", username)</a:t>
+            </a:r>
+          </a:p>
+        </p:txBody>
+      </p:sp>
+    </p:spTree>
+  </p:cSld>
+</p:sld>
+</file>
+
+<file path=ppt/slides/slide19.xml><?xml version="1.0" encoding="utf-8"?>
+<p:sld xmlns:a="http://schemas.openxmlformats.org/drawingml/2006/main" xmlns:r="http://schemas.openxmlformats.org/officeDocument/2006/relationships" xmlns:p="http://schemas.openxmlformats.org/presentationml/2006/main">
+  <p:cSld>
+    <p:spTree>
+      <p:nvGrpSpPr>
+        <p:cNvPr id="1" name=""/>
+        <p:cNvGrpSpPr/>
+        <p:nvPr/>
+      </p:nvGrpSpPr>
+      <p:grpSpPr>
+        <a:xfrm>
+          <a:off x="0" y="0"/>
+          <a:ext cx="0" cy="0"/>
+          <a:chOff x="0" y="0"/>
+          <a:chExt cx="0" cy="0"/>
+        </a:xfrm>
+      </p:grpSpPr>
+      <p:sp>
+        <p:nvSpPr>
+          <p:cNvPr id="2" name="Title 1"/>
+          <p:cNvSpPr>
+            <a:spLocks noGrp="1"/>
+          </p:cNvSpPr>
+          <p:nvPr>
+            <p:ph type="title"/>
+          </p:nvPr>
+        </p:nvSpPr>
+        <p:spPr/>
+        <p:txBody>
+          <a:bodyPr/>
+          <a:lstStyle/>
+          <a:p>
+            <a:pPr lvl="0" marL="0" indent="0">
+              <a:buNone/>
+            </a:pPr>
+            <a:r>
+              <a:rPr/>
+              <a:t>What</a:t>
+            </a:r>
+            <a:r>
+              <a:rPr/>
+              <a:t> </a:t>
+            </a:r>
+            <a:r>
+              <a:rPr/>
+              <a:t>are</a:t>
+            </a:r>
+            <a:r>
+              <a:rPr/>
+              <a:t> </a:t>
+            </a:r>
+            <a:r>
+              <a:rPr/>
+              <a:t>Conditionals?</a:t>
+            </a:r>
+          </a:p>
+        </p:txBody>
+      </p:sp>
+      <p:sp>
+        <p:nvSpPr>
+          <p:cNvPr id="3" name="Content Placeholder 2"/>
+          <p:cNvSpPr>
+            <a:spLocks noGrp="1"/>
+          </p:cNvSpPr>
+          <p:nvPr>
+            <p:ph idx="1"/>
+          </p:nvPr>
+        </p:nvSpPr>
+        <p:spPr/>
+        <p:txBody>
+          <a:bodyPr/>
+          <a:lstStyle/>
           <a:p>
             <a:pPr lvl="1"/>
             <a:r>
               <a:rPr/>
-              <a:t>The first line ends with a colon</a:t>
+              <a:t>In practice, you often do not want every </a:t>
+            </a:r>
+            <a:r>
+              <a:rPr i="1"/>
+              <a:t>statement</a:t>
+            </a:r>
+            <a:r>
+              <a:rPr/>
+              <a:t> in a program to be executed every time.</a:t>
             </a:r>
           </a:p>
           <a:p>
             <a:pPr lvl="1"/>
             <a:r>
               <a:rPr/>
-              <a:t>This first line is followed by an indented block of one or more lines of code</a:t>
+              <a:t>Instead, you want your program to execute depending on the logical state of data or input when your program is running.</a:t>
             </a:r>
           </a:p>
           <a:p>
             <a:pPr lvl="1"/>
             <a:r>
               <a:rPr/>
-              <a:t>The indented block is only executed if the expression in the first line evaluates as “True”</a:t>
-            </a:r>
-          </a:p>
-          <a:p>
-            <a:pPr lvl="0" marL="0" indent="0">
-              <a:buNone/>
-            </a:pPr>
-            <a:r>
-              <a:rPr/>
-              <a:t>:::</a:t>
-            </a:r>
-          </a:p>
-          <a:p>
-            <a:pPr lvl="0" marL="0" indent="0">
-              <a:spcBef>
-                <a:spcPts val="3000"/>
-              </a:spcBef>
-              <a:buNone/>
-            </a:pPr>
-            <a:r>
-              <a:rPr b="1"/>
-              <a:t>Practice with Conditionals</a:t>
-            </a:r>
-          </a:p>
-          <a:p>
-            <a:pPr lvl="0" marL="1270000" indent="0">
-              <a:buNone/>
-            </a:pPr>
-            <a:r>
-              <a:rPr sz="1800" i="1">
-                <a:solidFill>
-                  <a:srgbClr val="60A0B0"/>
-                </a:solidFill>
-                <a:latin typeface="Courier"/>
-              </a:rPr>
-              <a:t># an example of branching logic</a:t>
-            </a:r>
-            <a:br/>
-            <a:br/>
-            <a:r>
-              <a:rPr sz="1800">
-                <a:latin typeface="Courier"/>
-              </a:rPr>
-              <a:t>::: incremental</a:t>
-            </a:r>
-            <a:br/>
-            <a:br/>
-            <a:r>
-              <a:rPr sz="1800">
-                <a:latin typeface="Courier"/>
-              </a:rPr>
-              <a:t>order </a:t>
-            </a:r>
-            <a:r>
-              <a:rPr sz="1800">
-                <a:solidFill>
-                  <a:srgbClr val="666666"/>
-                </a:solidFill>
-                <a:latin typeface="Courier"/>
-              </a:rPr>
-              <a:t>=</a:t>
-            </a:r>
-            <a:r>
-              <a:rPr sz="1800">
-                <a:latin typeface="Courier"/>
-              </a:rPr>
-              <a:t> input(</a:t>
-            </a:r>
-            <a:r>
-              <a:rPr sz="1800">
-                <a:solidFill>
-                  <a:srgbClr val="4070A0"/>
-                </a:solidFill>
-                <a:latin typeface="Courier"/>
-              </a:rPr>
-              <a:t>'What can I get you? ")</a:t>
-            </a:r>
-            <a:br/>
-            <a:r>
-              <a:rPr sz="1800">
-                <a:solidFill>
-                  <a:srgbClr val="4070A0"/>
-                </a:solidFill>
-                <a:latin typeface="Courier"/>
-              </a:rPr>
-              <a:t>if order == '</a:t>
-            </a:r>
-            <a:r>
-              <a:rPr sz="1800">
-                <a:latin typeface="Courier"/>
-              </a:rPr>
-              <a:t>burger</a:t>
-            </a:r>
-            <a:r>
-              <a:rPr sz="1800">
-                <a:solidFill>
-                  <a:srgbClr val="4070A0"/>
-                </a:solidFill>
-                <a:latin typeface="Courier"/>
-              </a:rPr>
-              <a:t>':</a:t>
-            </a:r>
-            <a:br/>
-            <a:r>
-              <a:rPr sz="1800">
-                <a:solidFill>
-                  <a:srgbClr val="4070A0"/>
-                </a:solidFill>
-                <a:latin typeface="Courier"/>
-              </a:rPr>
-              <a:t>    side = input('</a:t>
-            </a:r>
-            <a:r>
-              <a:rPr sz="1800">
-                <a:latin typeface="Courier"/>
-              </a:rPr>
-              <a:t>Would you like fries </a:t>
-            </a:r>
-            <a:r>
-              <a:rPr sz="1800" b="1">
-                <a:solidFill>
-                  <a:srgbClr val="007020"/>
-                </a:solidFill>
-                <a:latin typeface="Courier"/>
-              </a:rPr>
-              <a:t>with</a:t>
-            </a:r>
-            <a:r>
-              <a:rPr sz="1800">
-                <a:latin typeface="Courier"/>
-              </a:rPr>
-              <a:t> that?</a:t>
-            </a:r>
-            <a:r>
-              <a:rPr sz="1800">
-                <a:solidFill>
-                  <a:srgbClr val="4070A0"/>
-                </a:solidFill>
-                <a:latin typeface="Courier"/>
-              </a:rPr>
-              <a:t>')</a:t>
-            </a:r>
-            <a:br/>
-            <a:r>
-              <a:rPr sz="1800">
-                <a:solidFill>
-                  <a:srgbClr val="4070A0"/>
-                </a:solidFill>
-                <a:latin typeface="Courier"/>
-              </a:rPr>
-              <a:t>elif order == '</a:t>
-            </a:r>
-            <a:r>
-              <a:rPr sz="1800">
-                <a:latin typeface="Courier"/>
-              </a:rPr>
-              <a:t>salad</a:t>
-            </a:r>
-            <a:r>
-              <a:rPr sz="1800">
-                <a:solidFill>
-                  <a:srgbClr val="4070A0"/>
-                </a:solidFill>
-                <a:latin typeface="Courier"/>
-              </a:rPr>
-              <a:t>':</a:t>
-            </a:r>
-            <a:br/>
-            <a:r>
-              <a:rPr sz="1800">
-                <a:solidFill>
-                  <a:srgbClr val="4070A0"/>
-                </a:solidFill>
-                <a:latin typeface="Courier"/>
-              </a:rPr>
-              <a:t>    side = input('</a:t>
-            </a:r>
-            <a:r>
-              <a:rPr sz="1800">
-                <a:latin typeface="Courier"/>
-              </a:rPr>
-              <a:t>What kind of dressing?</a:t>
-            </a:r>
-            <a:r>
-              <a:rPr sz="1800">
-                <a:solidFill>
-                  <a:srgbClr val="4070A0"/>
-                </a:solidFill>
-                <a:latin typeface="Courier"/>
-              </a:rPr>
-              <a:t>')</a:t>
-            </a:r>
-            <a:br/>
-            <a:r>
-              <a:rPr sz="1800">
-                <a:solidFill>
-                  <a:srgbClr val="4070A0"/>
-                </a:solidFill>
-                <a:latin typeface="Courier"/>
-              </a:rPr>
-              <a:t>else:</a:t>
-            </a:r>
-            <a:br/>
-            <a:r>
-              <a:rPr sz="1800">
-                <a:solidFill>
-                  <a:srgbClr val="4070A0"/>
-                </a:solidFill>
-                <a:latin typeface="Courier"/>
-              </a:rPr>
-              <a:t>    print('</a:t>
-            </a:r>
-            <a:r>
-              <a:rPr sz="1800">
-                <a:latin typeface="Courier"/>
-              </a:rPr>
-              <a:t>We only sell burgers </a:t>
-            </a:r>
-            <a:r>
-              <a:rPr sz="1800" b="1">
-                <a:solidFill>
-                  <a:srgbClr val="007020"/>
-                </a:solidFill>
-                <a:latin typeface="Courier"/>
-              </a:rPr>
-              <a:t>and</a:t>
-            </a:r>
-            <a:r>
-              <a:rPr sz="1800">
-                <a:latin typeface="Courier"/>
-              </a:rPr>
-              <a:t> salads</a:t>
-            </a:r>
-            <a:r>
-              <a:rPr sz="1800">
-                <a:solidFill>
-                  <a:srgbClr val="4070A0"/>
-                </a:solidFill>
-                <a:latin typeface="Courier"/>
-              </a:rPr>
-              <a:t>')</a:t>
-            </a:r>
-            <a:br/>
-            <a:r>
-              <a:rPr sz="1800">
-                <a:solidFill>
-                  <a:srgbClr val="4070A0"/>
-                </a:solidFill>
-                <a:latin typeface="Courier"/>
-              </a:rPr>
-              <a:t>print('</a:t>
-            </a:r>
-            <a:r>
-              <a:rPr sz="1800">
-                <a:latin typeface="Courier"/>
-              </a:rPr>
-              <a:t>You ordered:</a:t>
-            </a:r>
-            <a:r>
-              <a:rPr sz="1800">
-                <a:solidFill>
-                  <a:srgbClr val="4070A0"/>
-                </a:solidFill>
-                <a:latin typeface="Courier"/>
-              </a:rPr>
-              <a:t>', order, side)</a:t>
-            </a:r>
-          </a:p>
-          <a:p>
-            <a:pPr lvl="0" marL="0" indent="0">
-              <a:buNone/>
-            </a:pPr>
-            <a:r>
-              <a:rPr/>
-              <a:t>:::</a:t>
+              <a:t>The basic building blocks for this logic are conditionals, which are constructed with the keywords </a:t>
+            </a:r>
+            <a:r>
+              <a:rPr i="1"/>
+              <a:t>if</a:t>
+            </a:r>
+            <a:r>
+              <a:rPr/>
+              <a:t>, </a:t>
+            </a:r>
+            <a:r>
+              <a:rPr i="1"/>
+              <a:t>else</a:t>
+            </a:r>
+            <a:r>
+              <a:rPr/>
+              <a:t> and </a:t>
+            </a:r>
+            <a:r>
+              <a:rPr i="1"/>
+              <a:t>elif</a:t>
+            </a:r>
+            <a:r>
+              <a:rPr/>
+              <a:t>.</a:t>
             </a:r>
           </a:p>
         </p:txBody>
@@ -3618,6 +5554,142 @@
       </p:grpSpPr>
       <p:sp>
         <p:nvSpPr>
+          <p:cNvPr id="3" name="Content Placeholder 2"/>
+          <p:cNvSpPr>
+            <a:spLocks noGrp="1"/>
+          </p:cNvSpPr>
+          <p:nvPr>
+            <p:ph idx="1"/>
+          </p:nvPr>
+        </p:nvSpPr>
+        <p:spPr/>
+        <p:txBody>
+          <a:bodyPr/>
+          <a:lstStyle/>
+          <a:p>
+            <a:pPr lvl="0" marL="0" indent="0">
+              <a:buNone/>
+            </a:pPr>
+            <a:r>
+              <a:rPr/>
+              <a:t>Python is an </a:t>
+            </a:r>
+            <a:r>
+              <a:rPr>
+                <a:hlinkClick r:id="rId2"/>
+              </a:rPr>
+              <a:t>imperative</a:t>
+            </a:r>
+            <a:r>
+              <a:rPr/>
+              <a:t> programming language. Your programs are a series of </a:t>
+            </a:r>
+            <a:r>
+              <a:rPr b="1"/>
+              <a:t>Statements</a:t>
+            </a:r>
+            <a:r>
+              <a:rPr/>
+              <a:t> that are executed in order.</a:t>
+            </a:r>
+          </a:p>
+          <a:p>
+            <a:pPr lvl="0" marL="0" indent="0">
+              <a:buNone/>
+            </a:pPr>
+            <a:r>
+              <a:rPr/>
+              <a:t>Each </a:t>
+            </a:r>
+            <a:r>
+              <a:rPr b="1"/>
+              <a:t>Statement</a:t>
+            </a:r>
+            <a:r>
+              <a:rPr/>
+              <a:t> can be made up of </a:t>
+            </a:r>
+            <a:r>
+              <a:rPr b="1"/>
+              <a:t>Variables</a:t>
+            </a:r>
+            <a:r>
+              <a:rPr/>
+              <a:t> and </a:t>
+            </a:r>
+            <a:r>
+              <a:rPr b="1"/>
+              <a:t>Expressions</a:t>
+            </a:r>
+            <a:r>
+              <a:rPr/>
+              <a:t>.</a:t>
+            </a:r>
+          </a:p>
+          <a:p>
+            <a:pPr lvl="0" marL="0" indent="0">
+              <a:buNone/>
+            </a:pPr>
+            <a:r>
+              <a:rPr b="1"/>
+              <a:t>Conditional Statements</a:t>
+            </a:r>
+            <a:r>
+              <a:rPr/>
+              <a:t> change the execution of your program depending on the state of </a:t>
+            </a:r>
+            <a:r>
+              <a:rPr b="1"/>
+              <a:t>Variables</a:t>
+            </a:r>
+            <a:r>
+              <a:rPr/>
+              <a:t> and </a:t>
+            </a:r>
+            <a:r>
+              <a:rPr b="1"/>
+              <a:t>Expressions</a:t>
+            </a:r>
+            <a:r>
+              <a:rPr/>
+              <a:t>.</a:t>
+            </a:r>
+          </a:p>
+          <a:p>
+            <a:pPr lvl="0" marL="0" indent="0">
+              <a:buNone/>
+            </a:pPr>
+            <a:r>
+              <a:rPr i="1"/>
+              <a:t>This is a lot, so let’s unpack it.</a:t>
+            </a:r>
+          </a:p>
+        </p:txBody>
+      </p:sp>
+    </p:spTree>
+  </p:cSld>
+</p:sld>
+</file>
+
+<file path=ppt/slides/slide20.xml><?xml version="1.0" encoding="utf-8"?>
+<p:sld xmlns:a="http://schemas.openxmlformats.org/drawingml/2006/main" xmlns:r="http://schemas.openxmlformats.org/officeDocument/2006/relationships" xmlns:p="http://schemas.openxmlformats.org/presentationml/2006/main">
+  <p:cSld>
+    <p:spTree>
+      <p:nvGrpSpPr>
+        <p:cNvPr id="1" name=""/>
+        <p:cNvGrpSpPr/>
+        <p:nvPr/>
+      </p:nvGrpSpPr>
+      <p:grpSpPr>
+        <a:xfrm>
+          <a:off x="0" y="0"/>
+          <a:ext cx="0" cy="0"/>
+          <a:chOff x="0" y="0"/>
+          <a:chExt cx="0" cy="0"/>
+        </a:xfrm>
+      </p:grpSpPr>
+      <p:sp>
+        <p:nvSpPr>
           <p:cNvPr id="2" name="Title 1"/>
           <p:cNvSpPr>
             <a:spLocks noGrp="1"/>
@@ -3636,15 +5708,23 @@
             </a:pPr>
             <a:r>
               <a:rPr/>
-              <a:t>Topic</a:t>
-            </a:r>
-            <a:r>
-              <a:rPr/>
-              <a:t> </a:t>
-            </a:r>
-            <a:r>
-              <a:rPr/>
-              <a:t>Overview</a:t>
+              <a:t>Structure</a:t>
+            </a:r>
+            <a:r>
+              <a:rPr/>
+              <a:t> </a:t>
+            </a:r>
+            <a:r>
+              <a:rPr/>
+              <a:t>of</a:t>
+            </a:r>
+            <a:r>
+              <a:rPr/>
+              <a:t> </a:t>
+            </a:r>
+            <a:r>
+              <a:rPr/>
+              <a:t>Conditionals</a:t>
             </a:r>
           </a:p>
         </p:txBody>
@@ -3664,38 +5744,610 @@
           <a:bodyPr/>
           <a:lstStyle/>
           <a:p>
+            <a:pPr lvl="0" marL="1270000" indent="0">
+              <a:buNone/>
+            </a:pPr>
+            <a:r>
+              <a:rPr sz="1800" b="1">
+                <a:solidFill>
+                  <a:srgbClr val="007020"/>
+                </a:solidFill>
+                <a:latin typeface="Courier"/>
+              </a:rPr>
+              <a:t>if</a:t>
+            </a:r>
+            <a:r>
+              <a:rPr sz="1800">
+                <a:latin typeface="Courier"/>
+              </a:rPr>
+              <a:t> </a:t>
+            </a:r>
+            <a:r>
+              <a:rPr sz="1800">
+                <a:solidFill>
+                  <a:srgbClr val="40A070"/>
+                </a:solidFill>
+                <a:latin typeface="Courier"/>
+              </a:rPr>
+              <a:t>1</a:t>
+            </a:r>
+            <a:r>
+              <a:rPr sz="1800">
+                <a:latin typeface="Courier"/>
+              </a:rPr>
+              <a:t> </a:t>
+            </a:r>
+            <a:r>
+              <a:rPr sz="1800">
+                <a:solidFill>
+                  <a:srgbClr val="666666"/>
+                </a:solidFill>
+                <a:latin typeface="Courier"/>
+              </a:rPr>
+              <a:t>&gt;</a:t>
+            </a:r>
+            <a:r>
+              <a:rPr sz="1800">
+                <a:latin typeface="Courier"/>
+              </a:rPr>
+              <a:t> </a:t>
+            </a:r>
+            <a:r>
+              <a:rPr sz="1800">
+                <a:solidFill>
+                  <a:srgbClr val="40A070"/>
+                </a:solidFill>
+                <a:latin typeface="Courier"/>
+              </a:rPr>
+              <a:t>0</a:t>
+            </a:r>
+            <a:r>
+              <a:rPr sz="1800">
+                <a:latin typeface="Courier"/>
+              </a:rPr>
+              <a:t>:</a:t>
+            </a:r>
+            <a:br/>
+            <a:r>
+              <a:rPr sz="1800">
+                <a:latin typeface="Courier"/>
+              </a:rPr>
+              <a:t>    print(</a:t>
+            </a:r>
+            <a:r>
+              <a:rPr sz="1800">
+                <a:solidFill>
+                  <a:srgbClr val="4070A0"/>
+                </a:solidFill>
+                <a:latin typeface="Courier"/>
+              </a:rPr>
+              <a:t>"yes"</a:t>
+            </a:r>
+            <a:r>
+              <a:rPr sz="1800">
+                <a:latin typeface="Courier"/>
+              </a:rPr>
+              <a:t>)</a:t>
+            </a:r>
+            <a:br/>
+            <a:r>
+              <a:rPr sz="1800" b="1">
+                <a:solidFill>
+                  <a:srgbClr val="007020"/>
+                </a:solidFill>
+                <a:latin typeface="Courier"/>
+              </a:rPr>
+              <a:t>else</a:t>
+            </a:r>
+            <a:r>
+              <a:rPr sz="1800">
+                <a:latin typeface="Courier"/>
+              </a:rPr>
+              <a:t>:</a:t>
+            </a:r>
+            <a:br/>
+            <a:r>
+              <a:rPr sz="1800">
+                <a:latin typeface="Courier"/>
+              </a:rPr>
+              <a:t>    print(</a:t>
+            </a:r>
+            <a:r>
+              <a:rPr sz="1800">
+                <a:solidFill>
+                  <a:srgbClr val="4070A0"/>
+                </a:solidFill>
+                <a:latin typeface="Courier"/>
+              </a:rPr>
+              <a:t>"no"</a:t>
+            </a:r>
+            <a:r>
+              <a:rPr sz="1800">
+                <a:latin typeface="Courier"/>
+              </a:rPr>
+              <a:t>)</a:t>
+            </a:r>
+          </a:p>
+          <a:p>
+            <a:pPr lvl="0" marL="0" indent="0">
+              <a:buNone/>
+            </a:pPr>
+            <a:r>
+              <a:rPr b="1"/>
+              <a:t>yes</a:t>
+            </a:r>
+          </a:p>
+        </p:txBody>
+      </p:sp>
+    </p:spTree>
+  </p:cSld>
+</p:sld>
+</file>
+
+<file path=ppt/slides/slide21.xml><?xml version="1.0" encoding="utf-8"?>
+<p:sld xmlns:a="http://schemas.openxmlformats.org/drawingml/2006/main" xmlns:r="http://schemas.openxmlformats.org/officeDocument/2006/relationships" xmlns:p="http://schemas.openxmlformats.org/presentationml/2006/main">
+  <p:cSld>
+    <p:spTree>
+      <p:nvGrpSpPr>
+        <p:cNvPr id="1" name=""/>
+        <p:cNvGrpSpPr/>
+        <p:nvPr/>
+      </p:nvGrpSpPr>
+      <p:grpSpPr>
+        <a:xfrm>
+          <a:off x="0" y="0"/>
+          <a:ext cx="0" cy="0"/>
+          <a:chOff x="0" y="0"/>
+          <a:chExt cx="0" cy="0"/>
+        </a:xfrm>
+      </p:grpSpPr>
+      <p:sp>
+        <p:nvSpPr>
+          <p:cNvPr id="2" name="Title 1"/>
+          <p:cNvSpPr>
+            <a:spLocks noGrp="1"/>
+          </p:cNvSpPr>
+          <p:nvPr>
+            <p:ph type="title"/>
+          </p:nvPr>
+        </p:nvSpPr>
+        <p:spPr/>
+        <p:txBody>
+          <a:bodyPr/>
+          <a:lstStyle/>
+          <a:p>
+            <a:pPr lvl="0" marL="0" indent="0">
+              <a:buNone/>
+            </a:pPr>
+            <a:r>
+              <a:rPr/>
+              <a:t>Practice</a:t>
+            </a:r>
+            <a:r>
+              <a:rPr/>
+              <a:t> </a:t>
+            </a:r>
+            <a:r>
+              <a:rPr/>
+              <a:t>with</a:t>
+            </a:r>
+            <a:r>
+              <a:rPr/>
+              <a:t> </a:t>
+            </a:r>
+            <a:r>
+              <a:rPr/>
+              <a:t>Conditionals</a:t>
+            </a:r>
+          </a:p>
+        </p:txBody>
+      </p:sp>
+      <p:sp>
+        <p:nvSpPr>
+          <p:cNvPr id="3" name="Content Placeholder 2"/>
+          <p:cNvSpPr>
+            <a:spLocks noGrp="1"/>
+          </p:cNvSpPr>
+          <p:nvPr>
+            <p:ph idx="1"/>
+          </p:nvPr>
+        </p:nvSpPr>
+        <p:spPr/>
+        <p:txBody>
+          <a:bodyPr/>
+          <a:lstStyle/>
+          <a:p>
+            <a:pPr lvl="0" marL="1270000" indent="0">
+              <a:buNone/>
+            </a:pPr>
+            <a:r>
+              <a:rPr sz="1800">
+                <a:latin typeface="Courier"/>
+              </a:rPr>
+              <a:t>order </a:t>
+            </a:r>
+            <a:r>
+              <a:rPr sz="1800">
+                <a:solidFill>
+                  <a:srgbClr val="666666"/>
+                </a:solidFill>
+                <a:latin typeface="Courier"/>
+              </a:rPr>
+              <a:t>=</a:t>
+            </a:r>
+            <a:r>
+              <a:rPr sz="1800">
+                <a:latin typeface="Courier"/>
+              </a:rPr>
+              <a:t> input(</a:t>
+            </a:r>
+            <a:r>
+              <a:rPr sz="1800">
+                <a:solidFill>
+                  <a:srgbClr val="4070A0"/>
+                </a:solidFill>
+                <a:latin typeface="Courier"/>
+              </a:rPr>
+              <a:t>"What can I get you? "</a:t>
+            </a:r>
+            <a:r>
+              <a:rPr sz="1800">
+                <a:latin typeface="Courier"/>
+              </a:rPr>
+              <a:t>)</a:t>
+            </a:r>
+            <a:br/>
+            <a:br/>
+            <a:r>
+              <a:rPr sz="1800" b="1">
+                <a:solidFill>
+                  <a:srgbClr val="007020"/>
+                </a:solidFill>
+                <a:latin typeface="Courier"/>
+              </a:rPr>
+              <a:t>if</a:t>
+            </a:r>
+            <a:r>
+              <a:rPr sz="1800">
+                <a:latin typeface="Courier"/>
+              </a:rPr>
+              <a:t> order </a:t>
+            </a:r>
+            <a:r>
+              <a:rPr sz="1800">
+                <a:solidFill>
+                  <a:srgbClr val="666666"/>
+                </a:solidFill>
+                <a:latin typeface="Courier"/>
+              </a:rPr>
+              <a:t>==</a:t>
+            </a:r>
+            <a:r>
+              <a:rPr sz="1800">
+                <a:latin typeface="Courier"/>
+              </a:rPr>
+              <a:t> </a:t>
+            </a:r>
+            <a:r>
+              <a:rPr sz="1800">
+                <a:solidFill>
+                  <a:srgbClr val="4070A0"/>
+                </a:solidFill>
+                <a:latin typeface="Courier"/>
+              </a:rPr>
+              <a:t>"burger"</a:t>
+            </a:r>
+            <a:r>
+              <a:rPr sz="1800">
+                <a:latin typeface="Courier"/>
+              </a:rPr>
+              <a:t>:</a:t>
+            </a:r>
+            <a:br/>
+            <a:r>
+              <a:rPr sz="1800">
+                <a:latin typeface="Courier"/>
+              </a:rPr>
+              <a:t>    side </a:t>
+            </a:r>
+            <a:r>
+              <a:rPr sz="1800">
+                <a:solidFill>
+                  <a:srgbClr val="666666"/>
+                </a:solidFill>
+                <a:latin typeface="Courier"/>
+              </a:rPr>
+              <a:t>=</a:t>
+            </a:r>
+            <a:r>
+              <a:rPr sz="1800">
+                <a:latin typeface="Courier"/>
+              </a:rPr>
+              <a:t> input(</a:t>
+            </a:r>
+            <a:r>
+              <a:rPr sz="1800">
+                <a:solidFill>
+                  <a:srgbClr val="4070A0"/>
+                </a:solidFill>
+                <a:latin typeface="Courier"/>
+              </a:rPr>
+              <a:t>"Would you like fries?"</a:t>
+            </a:r>
+            <a:r>
+              <a:rPr sz="1800">
+                <a:latin typeface="Courier"/>
+              </a:rPr>
+              <a:t>)</a:t>
+            </a:r>
+            <a:br/>
+            <a:r>
+              <a:rPr sz="1800" b="1">
+                <a:solidFill>
+                  <a:srgbClr val="007020"/>
+                </a:solidFill>
+                <a:latin typeface="Courier"/>
+              </a:rPr>
+              <a:t>elif</a:t>
+            </a:r>
+            <a:r>
+              <a:rPr sz="1800">
+                <a:latin typeface="Courier"/>
+              </a:rPr>
+              <a:t> order </a:t>
+            </a:r>
+            <a:r>
+              <a:rPr sz="1800">
+                <a:solidFill>
+                  <a:srgbClr val="666666"/>
+                </a:solidFill>
+                <a:latin typeface="Courier"/>
+              </a:rPr>
+              <a:t>==</a:t>
+            </a:r>
+            <a:r>
+              <a:rPr sz="1800">
+                <a:latin typeface="Courier"/>
+              </a:rPr>
+              <a:t> </a:t>
+            </a:r>
+            <a:r>
+              <a:rPr sz="1800">
+                <a:solidFill>
+                  <a:srgbClr val="4070A0"/>
+                </a:solidFill>
+                <a:latin typeface="Courier"/>
+              </a:rPr>
+              <a:t>'salad'</a:t>
+            </a:r>
+            <a:r>
+              <a:rPr sz="1800">
+                <a:latin typeface="Courier"/>
+              </a:rPr>
+              <a:t>:</a:t>
+            </a:r>
+            <a:br/>
+            <a:r>
+              <a:rPr sz="1800">
+                <a:latin typeface="Courier"/>
+              </a:rPr>
+              <a:t>    side </a:t>
+            </a:r>
+            <a:r>
+              <a:rPr sz="1800">
+                <a:solidFill>
+                  <a:srgbClr val="666666"/>
+                </a:solidFill>
+                <a:latin typeface="Courier"/>
+              </a:rPr>
+              <a:t>=</a:t>
+            </a:r>
+            <a:r>
+              <a:rPr sz="1800">
+                <a:latin typeface="Courier"/>
+              </a:rPr>
+              <a:t> input(</a:t>
+            </a:r>
+            <a:r>
+              <a:rPr sz="1800">
+                <a:solidFill>
+                  <a:srgbClr val="4070A0"/>
+                </a:solidFill>
+                <a:latin typeface="Courier"/>
+              </a:rPr>
+              <a:t>"What kind of dressing?"</a:t>
+            </a:r>
+            <a:r>
+              <a:rPr sz="1800">
+                <a:latin typeface="Courier"/>
+              </a:rPr>
+              <a:t>)</a:t>
+            </a:r>
+            <a:br/>
+            <a:r>
+              <a:rPr sz="1800" b="1">
+                <a:solidFill>
+                  <a:srgbClr val="007020"/>
+                </a:solidFill>
+                <a:latin typeface="Courier"/>
+              </a:rPr>
+              <a:t>else</a:t>
+            </a:r>
+            <a:r>
+              <a:rPr sz="1800">
+                <a:latin typeface="Courier"/>
+              </a:rPr>
+              <a:t>:</a:t>
+            </a:r>
+            <a:br/>
+            <a:r>
+              <a:rPr sz="1800">
+                <a:latin typeface="Courier"/>
+              </a:rPr>
+              <a:t>    print(</a:t>
+            </a:r>
+            <a:r>
+              <a:rPr sz="1800">
+                <a:solidFill>
+                  <a:srgbClr val="4070A0"/>
+                </a:solidFill>
+                <a:latin typeface="Courier"/>
+              </a:rPr>
+              <a:t>"We only sell burgers and salads"</a:t>
+            </a:r>
+            <a:r>
+              <a:rPr sz="1800">
+                <a:latin typeface="Courier"/>
+              </a:rPr>
+              <a:t>)</a:t>
+            </a:r>
+            <a:br/>
+            <a:br/>
+            <a:r>
+              <a:rPr sz="1800">
+                <a:latin typeface="Courier"/>
+              </a:rPr>
+              <a:t>print(</a:t>
+            </a:r>
+            <a:r>
+              <a:rPr sz="1800">
+                <a:solidFill>
+                  <a:srgbClr val="4070A0"/>
+                </a:solidFill>
+                <a:latin typeface="Courier"/>
+              </a:rPr>
+              <a:t>"You ordered:"</a:t>
+            </a:r>
+            <a:r>
+              <a:rPr sz="1800">
+                <a:latin typeface="Courier"/>
+              </a:rPr>
+              <a:t>, order, side)</a:t>
+            </a:r>
+          </a:p>
+        </p:txBody>
+      </p:sp>
+    </p:spTree>
+  </p:cSld>
+</p:sld>
+</file>
+
+<file path=ppt/slides/slide22.xml><?xml version="1.0" encoding="utf-8"?>
+<p:sld xmlns:a="http://schemas.openxmlformats.org/drawingml/2006/main" xmlns:r="http://schemas.openxmlformats.org/officeDocument/2006/relationships" xmlns:p="http://schemas.openxmlformats.org/presentationml/2006/main">
+  <p:cSld>
+    <p:spTree>
+      <p:nvGrpSpPr>
+        <p:cNvPr id="1" name=""/>
+        <p:cNvGrpSpPr/>
+        <p:nvPr/>
+      </p:nvGrpSpPr>
+      <p:grpSpPr>
+        <a:xfrm>
+          <a:off x="0" y="0"/>
+          <a:ext cx="0" cy="0"/>
+          <a:chOff x="0" y="0"/>
+          <a:chExt cx="0" cy="0"/>
+        </a:xfrm>
+      </p:grpSpPr>
+      <p:sp>
+        <p:nvSpPr>
+          <p:cNvPr id="2" name="Title 1"/>
+          <p:cNvSpPr>
+            <a:spLocks noGrp="1"/>
+          </p:cNvSpPr>
+          <p:nvPr>
+            <p:ph type="title"/>
+          </p:nvPr>
+        </p:nvSpPr>
+        <p:spPr/>
+        <p:txBody>
+          <a:bodyPr/>
+          <a:lstStyle/>
+          <a:p>
+            <a:pPr lvl="0" marL="0" indent="0">
+              <a:buNone/>
+            </a:pPr>
+            <a:r>
+              <a:rPr/>
+              <a:t>So</a:t>
+            </a:r>
+            <a:r>
+              <a:rPr/>
+              <a:t> </a:t>
+            </a:r>
+            <a:r>
+              <a:rPr/>
+              <a:t>…</a:t>
+            </a:r>
+          </a:p>
+        </p:txBody>
+      </p:sp>
+      <p:sp>
+        <p:nvSpPr>
+          <p:cNvPr id="3" name="Content Placeholder 2"/>
+          <p:cNvSpPr>
+            <a:spLocks noGrp="1"/>
+          </p:cNvSpPr>
+          <p:nvPr>
+            <p:ph idx="1"/>
+          </p:nvPr>
+        </p:nvSpPr>
+        <p:spPr/>
+        <p:txBody>
+          <a:bodyPr/>
+          <a:lstStyle/>
+          <a:p>
+            <a:pPr lvl="0" marL="0" indent="0">
+              <a:buNone/>
+            </a:pPr>
+            <a:r>
+              <a:rPr/>
+              <a:t>We’ve covered a lot but now you know the basic buiding blocks of all Python programs, and </a:t>
+            </a:r>
+            <a:r>
+              <a:rPr>
+                <a:hlinkClick r:id="rId2"/>
+              </a:rPr>
+              <a:t>imperative</a:t>
+            </a:r>
+            <a:r>
+              <a:rPr/>
+              <a:t> programming languages in general:</a:t>
+            </a:r>
+          </a:p>
+          <a:p>
             <a:pPr lvl="1"/>
             <a:r>
               <a:rPr/>
-              <a:t>basic building blocks of Python programs</a:t>
+              <a:t>Statements</a:t>
             </a:r>
           </a:p>
           <a:p>
             <a:pPr lvl="1"/>
             <a:r>
               <a:rPr/>
-              <a:t>a lot of content, but hopefully familiar already</a:t>
+              <a:t>Variables</a:t>
             </a:r>
           </a:p>
           <a:p>
             <a:pPr lvl="1"/>
             <a:r>
               <a:rPr/>
-              <a:t>Variables</a:t>
+              <a:t>Types</a:t>
             </a:r>
           </a:p>
           <a:p>
             <a:pPr lvl="1"/>
             <a:r>
               <a:rPr/>
+              <a:t>Operators</a:t>
+            </a:r>
+          </a:p>
+          <a:p>
+            <a:pPr lvl="1"/>
+            <a:r>
+              <a:rPr/>
               <a:t>Expressions</a:t>
-            </a:r>
-          </a:p>
-          <a:p>
-            <a:pPr lvl="1"/>
-            <a:r>
-              <a:rPr/>
-              <a:t>Statements</a:t>
             </a:r>
           </a:p>
           <a:p>
@@ -3749,7 +6401,23 @@
             </a:pPr>
             <a:r>
               <a:rPr/>
-              <a:t>Variables</a:t>
+              <a:t>What</a:t>
+            </a:r>
+            <a:r>
+              <a:rPr/>
+              <a:t> </a:t>
+            </a:r>
+            <a:r>
+              <a:rPr/>
+              <a:t>are</a:t>
+            </a:r>
+            <a:r>
+              <a:rPr/>
+              <a:t> </a:t>
+            </a:r>
+            <a:r>
+              <a:rPr/>
+              <a:t>Variables?</a:t>
             </a:r>
           </a:p>
         </p:txBody>
@@ -3774,7 +6442,92 @@
             </a:pPr>
             <a:r>
               <a:rPr/>
-              <a:t>:::</a:t>
+              <a:t>Variables are </a:t>
+            </a:r>
+            <a:r>
+              <a:rPr i="1"/>
+              <a:t>names</a:t>
+            </a:r>
+            <a:r>
+              <a:rPr/>
+              <a:t> that can be attached to </a:t>
+            </a:r>
+            <a:r>
+              <a:rPr i="1"/>
+              <a:t>data</a:t>
+            </a:r>
+            <a:r>
+              <a:rPr/>
+              <a:t>. Each variable has a </a:t>
+            </a:r>
+            <a:r>
+              <a:rPr i="1"/>
+              <a:t>type</a:t>
+            </a:r>
+            <a:r>
+              <a:rPr/>
+              <a:t>:</a:t>
+            </a:r>
+          </a:p>
+          <a:p>
+            <a:pPr lvl="1"/>
+            <a:r>
+              <a:rPr/>
+              <a:t>Integer: x = 1</a:t>
+            </a:r>
+          </a:p>
+          <a:p>
+            <a:pPr lvl="1"/>
+            <a:r>
+              <a:rPr/>
+              <a:t>Float: x = 1.5</a:t>
+            </a:r>
+          </a:p>
+          <a:p>
+            <a:pPr lvl="1"/>
+            <a:r>
+              <a:rPr/>
+              <a:t>String: x = “umd”</a:t>
+            </a:r>
+          </a:p>
+          <a:p>
+            <a:pPr lvl="1"/>
+            <a:r>
+              <a:rPr/>
+              <a:t>Boolean: x = True</a:t>
+            </a:r>
+          </a:p>
+          <a:p>
+            <a:pPr lvl="0" marL="0" indent="0">
+              <a:buNone/>
+            </a:pPr>
+            <a:r>
+              <a:rPr/>
+              <a:t>We’ll be talking about more complex types (e.g. </a:t>
+            </a:r>
+            <a:r>
+              <a:rPr i="1"/>
+              <a:t>lists</a:t>
+            </a:r>
+            <a:r>
+              <a:rPr/>
+              <a:t>, </a:t>
+            </a:r>
+            <a:r>
+              <a:rPr i="1"/>
+              <a:t>dictionaries</a:t>
+            </a:r>
+            <a:r>
+              <a:rPr/>
+              <a:t>, </a:t>
+            </a:r>
+            <a:r>
+              <a:rPr i="1"/>
+              <a:t>sets</a:t>
+            </a:r>
+            <a:r>
+              <a:rPr/>
+              <a:t>) and even how to create your own over the course of the semester.</a:t>
             </a:r>
           </a:p>
         </p:txBody>
@@ -3821,23 +6574,23 @@
             </a:pPr>
             <a:r>
               <a:rPr/>
-              <a:t>What</a:t>
-            </a:r>
-            <a:r>
-              <a:rPr/>
-              <a:t> </a:t>
-            </a:r>
-            <a:r>
-              <a:rPr/>
-              <a:t>are</a:t>
-            </a:r>
-            <a:r>
-              <a:rPr/>
-              <a:t> </a:t>
-            </a:r>
-            <a:r>
-              <a:rPr/>
-              <a:t>Variables?</a:t>
+              <a:t>Working</a:t>
+            </a:r>
+            <a:r>
+              <a:rPr/>
+              <a:t> </a:t>
+            </a:r>
+            <a:r>
+              <a:rPr/>
+              <a:t>with</a:t>
+            </a:r>
+            <a:r>
+              <a:rPr/>
+              <a:t> </a:t>
+            </a:r>
+            <a:r>
+              <a:rPr/>
+              <a:t>Variables</a:t>
             </a:r>
           </a:p>
         </p:txBody>
@@ -3857,229 +6610,34 @@
           <a:bodyPr/>
           <a:lstStyle/>
           <a:p>
+            <a:pPr lvl="0" marL="0" indent="0">
+              <a:buNone/>
+            </a:pPr>
+            <a:r>
+              <a:rPr/>
+              <a:t>There are two main actions we take with variables:</a:t>
+            </a:r>
+          </a:p>
+          <a:p>
             <a:pPr lvl="1"/>
             <a:r>
-              <a:rPr/>
-              <a:t>Variables are labels that can be attached to data</a:t>
+              <a:rPr i="1"/>
+              <a:t>assignment</a:t>
+            </a:r>
+            <a:r>
+              <a:rPr/>
+              <a:t>: attach a name to some data</a:t>
             </a:r>
           </a:p>
           <a:p>
             <a:pPr lvl="1"/>
             <a:r>
-              <a:rPr/>
-              <a:t>Each piece of data also has a type</a:t>
-            </a:r>
-          </a:p>
-          <a:p>
-            <a:pPr lvl="1"/>
-            <a:r>
-              <a:rPr/>
-              <a:t>At the most basic level the types are</a:t>
-            </a:r>
-          </a:p>
-          <a:p>
-            <a:pPr lvl="2"/>
-            <a:r>
-              <a:rPr/>
-              <a:t>Numbers</a:t>
-            </a:r>
-          </a:p>
-          <a:p>
-            <a:pPr lvl="2"/>
-            <a:r>
-              <a:rPr/>
-              <a:t>Strings</a:t>
-            </a:r>
-          </a:p>
-          <a:p>
-            <a:pPr lvl="2"/>
-            <a:r>
-              <a:rPr/>
-              <a:t>Booleans (True/False)</a:t>
-            </a:r>
-          </a:p>
-          <a:p>
-            <a:pPr lvl="1"/>
-            <a:r>
-              <a:rPr/>
-              <a:t>The type can be thought of like a box that contains the data</a:t>
-            </a:r>
-          </a:p>
-          <a:p>
-            <a:pPr lvl="1"/>
-            <a:r>
-              <a:rPr/>
-              <a:t>Numbers can be further distinguished between</a:t>
-            </a:r>
-          </a:p>
-          <a:p>
-            <a:pPr lvl="2"/>
-            <a:r>
-              <a:rPr/>
-              <a:t>Integers</a:t>
-            </a:r>
-          </a:p>
-          <a:p>
-            <a:pPr lvl="2"/>
-            <a:r>
-              <a:rPr/>
-              <a:t>Floats (i.e. decimals)</a:t>
-            </a:r>
-          </a:p>
-          <a:p>
-            <a:pPr lvl="1"/>
-            <a:r>
-              <a:rPr/>
-              <a:t>There are other, more complex data containers (e.g. lists, dictionaries) that will be introduced later</a:t>
-            </a:r>
-          </a:p>
-          <a:p>
-            <a:pPr lvl="0" marL="0" indent="0">
-              <a:buNone/>
-            </a:pPr>
-            <a:r>
-              <a:rPr/>
-              <a:t>:::</a:t>
-            </a:r>
-          </a:p>
-          <a:p>
-            <a:pPr lvl="0" marL="0" indent="0">
-              <a:spcBef>
-                <a:spcPts val="3000"/>
-              </a:spcBef>
-              <a:buNone/>
-            </a:pPr>
-            <a:r>
-              <a:rPr b="1"/>
-              <a:t>Working with Variables</a:t>
-            </a:r>
-          </a:p>
-          <a:p>
-            <a:pPr lvl="1"/>
-            <a:r>
-              <a:rPr/>
-              <a:t>There are two main actions we take with variables:</a:t>
-            </a:r>
-          </a:p>
-          <a:p>
-            <a:pPr lvl="2"/>
-            <a:r>
-              <a:rPr/>
-              <a:t>assignment (attach a name to some data)</a:t>
-            </a:r>
-          </a:p>
-          <a:p>
-            <a:pPr lvl="2"/>
-            <a:r>
-              <a:rPr/>
-              <a:t>reading/evaluation (lookup the data by its name)</a:t>
-            </a:r>
-          </a:p>
-          <a:p>
-            <a:pPr lvl="0" marL="0" indent="0">
-              <a:buNone/>
-            </a:pPr>
-            <a:r>
-              <a:rPr/>
-              <a:t>:::</a:t>
-            </a:r>
-          </a:p>
-          <a:p>
-            <a:pPr lvl="0" marL="0" indent="0">
-              <a:spcBef>
-                <a:spcPts val="3000"/>
-              </a:spcBef>
-              <a:buNone/>
-            </a:pPr>
-            <a:r>
-              <a:rPr b="1"/>
-              <a:t>Practice with Variables</a:t>
-            </a:r>
-          </a:p>
-          <a:p>
-            <a:pPr lvl="0" marL="1270000" indent="0">
-              <a:buNone/>
-            </a:pPr>
-            <a:r>
-              <a:rPr sz="1800" i="1">
-                <a:solidFill>
-                  <a:srgbClr val="60A0B0"/>
-                </a:solidFill>
-                <a:latin typeface="Courier"/>
-              </a:rPr>
-              <a:t># here's an example of working with variables</a:t>
-            </a:r>
-            <a:br/>
-            <a:br/>
-            <a:r>
-              <a:rPr sz="1800">
-                <a:latin typeface="Courier"/>
-              </a:rPr>
-              <a:t>x </a:t>
-            </a:r>
-            <a:r>
-              <a:rPr sz="1800">
-                <a:solidFill>
-                  <a:srgbClr val="666666"/>
-                </a:solidFill>
-                <a:latin typeface="Courier"/>
-              </a:rPr>
-              <a:t>=</a:t>
-            </a:r>
-            <a:r>
-              <a:rPr sz="1800">
-                <a:latin typeface="Courier"/>
-              </a:rPr>
-              <a:t> </a:t>
-            </a:r>
-            <a:r>
-              <a:rPr sz="1800">
-                <a:solidFill>
-                  <a:srgbClr val="4070A0"/>
-                </a:solidFill>
-                <a:latin typeface="Courier"/>
-              </a:rPr>
-              <a:t>"Hello World"</a:t>
-            </a:r>
-            <a:r>
-              <a:rPr sz="1800">
-                <a:latin typeface="Courier"/>
-              </a:rPr>
-              <a:t>   </a:t>
-            </a:r>
-            <a:r>
-              <a:rPr sz="1800" i="1">
-                <a:solidFill>
-                  <a:srgbClr val="60A0B0"/>
-                </a:solidFill>
-                <a:latin typeface="Courier"/>
-              </a:rPr>
-              <a:t># assignment</a:t>
-            </a:r>
-            <a:br/>
-            <a:r>
-              <a:rPr sz="1800">
-                <a:latin typeface="Courier"/>
-              </a:rPr>
-              <a:t>print(x)            </a:t>
-            </a:r>
-            <a:r>
-              <a:rPr sz="1800" i="1">
-                <a:solidFill>
-                  <a:srgbClr val="60A0B0"/>
-                </a:solidFill>
-                <a:latin typeface="Courier"/>
-              </a:rPr>
-              <a:t># reading/evaluation</a:t>
-            </a:r>
-          </a:p>
-          <a:p>
-            <a:pPr lvl="0" marL="0" indent="0">
-              <a:buNone/>
-            </a:pPr>
-            <a:r>
-              <a:rPr/>
-              <a:t>:::</a:t>
+              <a:rPr i="1"/>
+              <a:t>evaluation</a:t>
+            </a:r>
+            <a:r>
+              <a:rPr/>
+              <a:t>: lookup the data by its name</a:t>
             </a:r>
           </a:p>
         </p:txBody>
@@ -4126,7 +6684,23 @@
             </a:pPr>
             <a:r>
               <a:rPr/>
-              <a:t>Expressions</a:t>
+              <a:t>Practice</a:t>
+            </a:r>
+            <a:r>
+              <a:rPr/>
+              <a:t> </a:t>
+            </a:r>
+            <a:r>
+              <a:rPr/>
+              <a:t>with</a:t>
+            </a:r>
+            <a:r>
+              <a:rPr/>
+              <a:t> </a:t>
+            </a:r>
+            <a:r>
+              <a:rPr/>
+              <a:t>Variables</a:t>
             </a:r>
           </a:p>
         </p:txBody>
@@ -4146,547 +6720,66 @@
           <a:bodyPr/>
           <a:lstStyle/>
           <a:p>
-            <a:pPr lvl="0" marL="0" indent="0">
+            <a:pPr lvl="0" marL="1270000" indent="0">
               <a:buNone/>
             </a:pPr>
             <a:r>
-              <a:rPr/>
-              <a:t>:::</a:t>
-            </a:r>
-          </a:p>
-          <a:p>
-            <a:pPr lvl="0" marL="0" indent="0">
-              <a:spcBef>
-                <a:spcPts val="3000"/>
-              </a:spcBef>
-              <a:buNone/>
-            </a:pPr>
-            <a:r>
-              <a:rPr b="1"/>
-              <a:t>What are Expressions?</a:t>
-            </a:r>
-          </a:p>
-          <a:p>
-            <a:pPr lvl="1"/>
-            <a:r>
-              <a:rPr/>
-              <a:t>Expressions are pieces of python code that get </a:t>
-            </a:r>
-            <a:r>
-              <a:rPr i="1"/>
-              <a:t>evaluated</a:t>
-            </a:r>
-            <a:r>
-              <a:rPr/>
-              <a:t> rather than executed</a:t>
-            </a:r>
-          </a:p>
-          <a:p>
-            <a:pPr lvl="1"/>
-            <a:r>
-              <a:rPr/>
-              <a:t>Expressions are often created with operators that represent mathematical or logical operations:</a:t>
-            </a:r>
-          </a:p>
-          <a:p>
-            <a:pPr lvl="2"/>
-            <a:r>
-              <a:rPr/>
-              <a:t>addition (+)</a:t>
-            </a:r>
-          </a:p>
-          <a:p>
-            <a:pPr lvl="2"/>
-            <a:r>
-              <a:rPr/>
-              <a:t>subtraction (-)</a:t>
-            </a:r>
-          </a:p>
-          <a:p>
-            <a:pPr lvl="2"/>
-            <a:r>
-              <a:rPr/>
-              <a:t>multiplication (*)</a:t>
-            </a:r>
-          </a:p>
-          <a:p>
-            <a:pPr lvl="2"/>
-            <a:r>
-              <a:rPr/>
-              <a:t>division (/)</a:t>
-            </a:r>
-          </a:p>
-          <a:p>
-            <a:pPr lvl="2"/>
-            <a:r>
-              <a:rPr/>
-              <a:t>integer division (//)</a:t>
-            </a:r>
-          </a:p>
-          <a:p>
-            <a:pPr lvl="2"/>
-            <a:r>
-              <a:rPr/>
-              <a:t>modulo (%)</a:t>
-            </a:r>
-          </a:p>
-          <a:p>
-            <a:pPr lvl="2"/>
-            <a:r>
-              <a:rPr/>
-              <a:t>exponentiation (**)</a:t>
-            </a:r>
-          </a:p>
-          <a:p>
-            <a:pPr lvl="2"/>
-            <a:r>
-              <a:rPr/>
-              <a:t>equality (==)</a:t>
-            </a:r>
-          </a:p>
-          <a:p>
-            <a:pPr lvl="1"/>
-            <a:r>
-              <a:rPr/>
-              <a:t>Operators are applied according to order of operations (PEMDAS)</a:t>
-            </a:r>
-          </a:p>
-          <a:p>
-            <a:pPr lvl="0" marL="0" indent="0">
-              <a:buNone/>
-            </a:pPr>
-            <a:r>
-              <a:rPr/>
-              <a:t>:::</a:t>
-            </a:r>
-          </a:p>
-          <a:p>
-            <a:pPr lvl="0" marL="0" indent="0">
-              <a:spcBef>
-                <a:spcPts val="3000"/>
-              </a:spcBef>
-              <a:buNone/>
-            </a:pPr>
-            <a:r>
-              <a:rPr b="1"/>
-              <a:t>Practice with Variables</a:t>
-            </a:r>
-          </a:p>
-          <a:p>
-            <a:pPr lvl="0" marL="1270000" indent="0">
-              <a:buNone/>
-            </a:pPr>
-            <a:r>
               <a:rPr sz="1800" i="1">
                 <a:solidFill>
                   <a:srgbClr val="60A0B0"/>
                 </a:solidFill>
                 <a:latin typeface="Courier"/>
               </a:rPr>
-              <a:t># examples of working with expressions</a:t>
+              <a:t># assignment</a:t>
+            </a:r>
+            <a:br/>
+            <a:r>
+              <a:rPr sz="1800">
+                <a:latin typeface="Courier"/>
+              </a:rPr>
+              <a:t>x </a:t>
+            </a:r>
+            <a:r>
+              <a:rPr sz="1800">
+                <a:solidFill>
+                  <a:srgbClr val="666666"/>
+                </a:solidFill>
+                <a:latin typeface="Courier"/>
+              </a:rPr>
+              <a:t>=</a:t>
+            </a:r>
+            <a:r>
+              <a:rPr sz="1800">
+                <a:latin typeface="Courier"/>
+              </a:rPr>
+              <a:t> </a:t>
+            </a:r>
+            <a:r>
+              <a:rPr sz="1800">
+                <a:solidFill>
+                  <a:srgbClr val="4070A0"/>
+                </a:solidFill>
+                <a:latin typeface="Courier"/>
+              </a:rPr>
+              <a:t>"Hello World"</a:t>
             </a:r>
             <a:br/>
             <a:br/>
             <a:r>
-              <a:rPr sz="1800">
-                <a:latin typeface="Courier"/>
-              </a:rPr>
-              <a:t>x </a:t>
-            </a:r>
-            <a:r>
-              <a:rPr sz="1800">
-                <a:solidFill>
-                  <a:srgbClr val="666666"/>
-                </a:solidFill>
-                <a:latin typeface="Courier"/>
-              </a:rPr>
-              <a:t>=</a:t>
-            </a:r>
-            <a:r>
-              <a:rPr sz="1800">
-                <a:latin typeface="Courier"/>
-              </a:rPr>
-              <a:t> </a:t>
-            </a:r>
-            <a:r>
-              <a:rPr sz="1800">
-                <a:solidFill>
-                  <a:srgbClr val="40A070"/>
-                </a:solidFill>
-                <a:latin typeface="Courier"/>
-              </a:rPr>
-              <a:t>2</a:t>
-            </a:r>
-            <a:r>
-              <a:rPr sz="1800">
-                <a:latin typeface="Courier"/>
-              </a:rPr>
-              <a:t>   </a:t>
-            </a:r>
-            <a:r>
               <a:rPr sz="1800" i="1">
                 <a:solidFill>
                   <a:srgbClr val="60A0B0"/>
                 </a:solidFill>
                 <a:latin typeface="Courier"/>
               </a:rPr>
-              <a:t># assignment</a:t>
+              <a:t># evaluation</a:t>
             </a:r>
             <a:br/>
             <a:r>
               <a:rPr sz="1800">
                 <a:latin typeface="Courier"/>
               </a:rPr>
-              <a:t>y </a:t>
-            </a:r>
-            <a:r>
-              <a:rPr sz="1800">
-                <a:solidFill>
-                  <a:srgbClr val="666666"/>
-                </a:solidFill>
-                <a:latin typeface="Courier"/>
-              </a:rPr>
-              <a:t>=</a:t>
-            </a:r>
-            <a:r>
-              <a:rPr sz="1800">
-                <a:latin typeface="Courier"/>
-              </a:rPr>
-              <a:t> </a:t>
-            </a:r>
-            <a:r>
-              <a:rPr sz="1800">
-                <a:solidFill>
-                  <a:srgbClr val="40A070"/>
-                </a:solidFill>
-                <a:latin typeface="Courier"/>
-              </a:rPr>
-              <a:t>7</a:t>
-            </a:r>
-            <a:br/>
-            <a:r>
-              <a:rPr sz="1800">
-                <a:latin typeface="Courier"/>
-              </a:rPr>
-              <a:t>x </a:t>
-            </a:r>
-            <a:r>
-              <a:rPr sz="1800">
-                <a:solidFill>
-                  <a:srgbClr val="666666"/>
-                </a:solidFill>
-                <a:latin typeface="Courier"/>
-              </a:rPr>
-              <a:t>*</a:t>
-            </a:r>
-            <a:r>
-              <a:rPr sz="1800">
-                <a:latin typeface="Courier"/>
-              </a:rPr>
-              <a:t> x</a:t>
-            </a:r>
-            <a:br/>
-            <a:r>
-              <a:rPr sz="1800">
-                <a:latin typeface="Courier"/>
-              </a:rPr>
-              <a:t>x </a:t>
-            </a:r>
-            <a:r>
-              <a:rPr sz="1800">
-                <a:solidFill>
-                  <a:srgbClr val="666666"/>
-                </a:solidFill>
-                <a:latin typeface="Courier"/>
-              </a:rPr>
-              <a:t>**</a:t>
-            </a:r>
-            <a:r>
-              <a:rPr sz="1800">
-                <a:latin typeface="Courier"/>
-              </a:rPr>
-              <a:t> </a:t>
-            </a:r>
-            <a:r>
-              <a:rPr sz="1800">
-                <a:solidFill>
-                  <a:srgbClr val="40A070"/>
-                </a:solidFill>
-                <a:latin typeface="Courier"/>
-              </a:rPr>
-              <a:t>2</a:t>
-            </a:r>
-            <a:br/>
-            <a:r>
-              <a:rPr sz="1800">
-                <a:latin typeface="Courier"/>
-              </a:rPr>
-              <a:t>x </a:t>
-            </a:r>
-            <a:r>
-              <a:rPr sz="1800">
-                <a:solidFill>
-                  <a:srgbClr val="666666"/>
-                </a:solidFill>
-                <a:latin typeface="Courier"/>
-              </a:rPr>
-              <a:t>==</a:t>
-            </a:r>
-            <a:r>
-              <a:rPr sz="1800">
-                <a:latin typeface="Courier"/>
-              </a:rPr>
-              <a:t> y</a:t>
-            </a:r>
-            <a:br/>
-            <a:r>
-              <a:rPr sz="1800">
-                <a:latin typeface="Courier"/>
-              </a:rPr>
-              <a:t>y </a:t>
-            </a:r>
-            <a:r>
-              <a:rPr sz="1800">
-                <a:solidFill>
-                  <a:srgbClr val="666666"/>
-                </a:solidFill>
-                <a:latin typeface="Courier"/>
-              </a:rPr>
-              <a:t>-</a:t>
-            </a:r>
-            <a:r>
-              <a:rPr sz="1800">
-                <a:latin typeface="Courier"/>
-              </a:rPr>
-              <a:t> x</a:t>
-            </a:r>
-            <a:br/>
-            <a:r>
-              <a:rPr sz="1800">
-                <a:latin typeface="Courier"/>
-              </a:rPr>
-              <a:t>y </a:t>
-            </a:r>
-            <a:r>
-              <a:rPr sz="1800">
-                <a:solidFill>
-                  <a:srgbClr val="666666"/>
-                </a:solidFill>
-                <a:latin typeface="Courier"/>
-              </a:rPr>
-              <a:t>-</a:t>
-            </a:r>
-            <a:r>
-              <a:rPr sz="1800">
-                <a:latin typeface="Courier"/>
-              </a:rPr>
-              <a:t> x </a:t>
-            </a:r>
-            <a:r>
-              <a:rPr sz="1800">
-                <a:solidFill>
-                  <a:srgbClr val="666666"/>
-                </a:solidFill>
-                <a:latin typeface="Courier"/>
-              </a:rPr>
-              <a:t>+</a:t>
-            </a:r>
-            <a:r>
-              <a:rPr sz="1800">
-                <a:latin typeface="Courier"/>
-              </a:rPr>
-              <a:t> </a:t>
-            </a:r>
-            <a:r>
-              <a:rPr sz="1800">
-                <a:solidFill>
-                  <a:srgbClr val="40A070"/>
-                </a:solidFill>
-                <a:latin typeface="Courier"/>
-              </a:rPr>
-              <a:t>4</a:t>
-            </a:r>
-            <a:br/>
-            <a:r>
-              <a:rPr sz="1800">
-                <a:solidFill>
-                  <a:srgbClr val="40A070"/>
-                </a:solidFill>
-                <a:latin typeface="Courier"/>
-              </a:rPr>
-              <a:t>2</a:t>
-            </a:r>
-            <a:r>
-              <a:rPr sz="1800">
-                <a:latin typeface="Courier"/>
-              </a:rPr>
-              <a:t> </a:t>
-            </a:r>
-            <a:r>
-              <a:rPr sz="1800">
-                <a:solidFill>
-                  <a:srgbClr val="666666"/>
-                </a:solidFill>
-                <a:latin typeface="Courier"/>
-              </a:rPr>
-              <a:t>+</a:t>
-            </a:r>
-            <a:r>
-              <a:rPr sz="1800">
-                <a:latin typeface="Courier"/>
-              </a:rPr>
-              <a:t> x </a:t>
-            </a:r>
-            <a:r>
-              <a:rPr sz="1800">
-                <a:solidFill>
-                  <a:srgbClr val="666666"/>
-                </a:solidFill>
-                <a:latin typeface="Courier"/>
-              </a:rPr>
-              <a:t>**</a:t>
-            </a:r>
-            <a:r>
-              <a:rPr sz="1800">
-                <a:latin typeface="Courier"/>
-              </a:rPr>
-              <a:t> </a:t>
-            </a:r>
-            <a:r>
-              <a:rPr sz="1800">
-                <a:solidFill>
-                  <a:srgbClr val="40A070"/>
-                </a:solidFill>
-                <a:latin typeface="Courier"/>
-              </a:rPr>
-              <a:t>3</a:t>
-            </a:r>
-            <a:br/>
-            <a:r>
-              <a:rPr sz="1800">
-                <a:latin typeface="Courier"/>
-              </a:rPr>
-              <a:t>(</a:t>
-            </a:r>
-            <a:r>
-              <a:rPr sz="1800">
-                <a:solidFill>
-                  <a:srgbClr val="40A070"/>
-                </a:solidFill>
-                <a:latin typeface="Courier"/>
-              </a:rPr>
-              <a:t>2</a:t>
-            </a:r>
-            <a:r>
-              <a:rPr sz="1800">
-                <a:latin typeface="Courier"/>
-              </a:rPr>
-              <a:t> </a:t>
-            </a:r>
-            <a:r>
-              <a:rPr sz="1800">
-                <a:solidFill>
-                  <a:srgbClr val="666666"/>
-                </a:solidFill>
-                <a:latin typeface="Courier"/>
-              </a:rPr>
-              <a:t>+</a:t>
-            </a:r>
-            <a:r>
-              <a:rPr sz="1800">
-                <a:latin typeface="Courier"/>
-              </a:rPr>
-              <a:t> x) </a:t>
-            </a:r>
-            <a:r>
-              <a:rPr sz="1800">
-                <a:solidFill>
-                  <a:srgbClr val="666666"/>
-                </a:solidFill>
-                <a:latin typeface="Courier"/>
-              </a:rPr>
-              <a:t>**</a:t>
-            </a:r>
-            <a:r>
-              <a:rPr sz="1800">
-                <a:latin typeface="Courier"/>
-              </a:rPr>
-              <a:t> </a:t>
-            </a:r>
-            <a:r>
-              <a:rPr sz="1800">
-                <a:solidFill>
-                  <a:srgbClr val="40A070"/>
-                </a:solidFill>
-                <a:latin typeface="Courier"/>
-              </a:rPr>
-              <a:t>3</a:t>
-            </a:r>
-            <a:br/>
-            <a:r>
-              <a:rPr sz="1800">
-                <a:latin typeface="Courier"/>
-              </a:rPr>
-              <a:t>y </a:t>
-            </a:r>
-            <a:r>
-              <a:rPr sz="1800">
-                <a:solidFill>
-                  <a:srgbClr val="666666"/>
-                </a:solidFill>
-                <a:latin typeface="Courier"/>
-              </a:rPr>
-              <a:t>//</a:t>
-            </a:r>
-            <a:r>
-              <a:rPr sz="1800">
-                <a:latin typeface="Courier"/>
-              </a:rPr>
-              <a:t> x</a:t>
-            </a:r>
-            <a:br/>
-            <a:r>
-              <a:rPr sz="1800">
-                <a:latin typeface="Courier"/>
-              </a:rPr>
-              <a:t>y </a:t>
-            </a:r>
-            <a:r>
-              <a:rPr sz="1800">
-                <a:solidFill>
-                  <a:srgbClr val="666666"/>
-                </a:solidFill>
-                <a:latin typeface="Courier"/>
-              </a:rPr>
-              <a:t>/</a:t>
-            </a:r>
-            <a:r>
-              <a:rPr sz="1800">
-                <a:latin typeface="Courier"/>
-              </a:rPr>
-              <a:t> x</a:t>
-            </a:r>
-            <a:br/>
-            <a:r>
-              <a:rPr sz="1800">
-                <a:latin typeface="Courier"/>
-              </a:rPr>
-              <a:t>y </a:t>
-            </a:r>
-            <a:r>
-              <a:rPr sz="1800">
-                <a:solidFill>
-                  <a:srgbClr val="666666"/>
-                </a:solidFill>
-                <a:latin typeface="Courier"/>
-              </a:rPr>
-              <a:t>%</a:t>
-            </a:r>
-            <a:r>
-              <a:rPr sz="1800">
-                <a:latin typeface="Courier"/>
-              </a:rPr>
-              <a:t> x</a:t>
+              <a:t>print(x) </a:t>
             </a:r>
           </a:p>
           <a:p>
@@ -4695,56 +6788,7 @@
             </a:pPr>
             <a:r>
               <a:rPr/>
-              <a:t>:::</a:t>
-            </a:r>
-          </a:p>
-          <a:p>
-            <a:pPr lvl="0" marL="0" indent="0">
-              <a:spcBef>
-                <a:spcPts val="3000"/>
-              </a:spcBef>
-              <a:buNone/>
-            </a:pPr>
-            <a:r>
-              <a:rPr b="1"/>
-              <a:t>Operators and Data Types</a:t>
-            </a:r>
-          </a:p>
-          <a:p>
-            <a:pPr lvl="1"/>
-            <a:r>
-              <a:rPr/>
-              <a:t>The type of data they are applied to has an impact on meaning</a:t>
-            </a:r>
-          </a:p>
-          <a:p>
-            <a:pPr lvl="1"/>
-            <a:r>
-              <a:rPr/>
-              <a:t>Specifically, these operators have a different meaning when applied to strings:</a:t>
-            </a:r>
-          </a:p>
-          <a:p>
-            <a:pPr lvl="2"/>
-            <a:r>
-              <a:rPr/>
-              <a:t>concatenation (+)</a:t>
-            </a:r>
-          </a:p>
-          <a:p>
-            <a:pPr lvl="2"/>
-            <a:r>
-              <a:rPr/>
-              <a:t>repetition (*)</a:t>
-            </a:r>
-          </a:p>
-          <a:p>
-            <a:pPr lvl="0" marL="0" indent="0">
-              <a:buNone/>
-            </a:pPr>
-            <a:r>
-              <a:rPr/>
-              <a:t>:::</a:t>
+              <a:t>Notice the use of comments on lines 1 and 4?</a:t>
             </a:r>
           </a:p>
         </p:txBody>
@@ -4791,7 +6835,23 @@
             </a:pPr>
             <a:r>
               <a:rPr/>
-              <a:t>Statements</a:t>
+              <a:t>What</a:t>
+            </a:r>
+            <a:r>
+              <a:rPr/>
+              <a:t> </a:t>
+            </a:r>
+            <a:r>
+              <a:rPr/>
+              <a:t>are</a:t>
+            </a:r>
+            <a:r>
+              <a:rPr/>
+              <a:t> </a:t>
+            </a:r>
+            <a:r>
+              <a:rPr/>
+              <a:t>Expressions?</a:t>
             </a:r>
           </a:p>
         </p:txBody>
@@ -4816,7 +6876,23 @@
             </a:pPr>
             <a:r>
               <a:rPr/>
-              <a:t>:::</a:t>
+              <a:t>Expressions are pieces of Python that get </a:t>
+            </a:r>
+            <a:r>
+              <a:rPr i="1"/>
+              <a:t>evaluated</a:t>
+            </a:r>
+            <a:r>
+              <a:rPr/>
+              <a:t>, and are often created with </a:t>
+            </a:r>
+            <a:r>
+              <a:rPr i="1"/>
+              <a:t>operators</a:t>
+            </a:r>
+            <a:r>
+              <a:rPr/>
+              <a:t>:</a:t>
             </a:r>
           </a:p>
         </p:txBody>
@@ -4845,12 +6921,12 @@
       </p:grpSpPr>
       <p:sp>
         <p:nvSpPr>
-          <p:cNvPr id="2" name="Title 1"/>
-          <p:cNvSpPr>
-            <a:spLocks noGrp="1"/>
-          </p:cNvSpPr>
-          <p:nvPr>
-            <p:ph type="title"/>
+          <p:cNvPr id="3" name="Content Placeholder 2"/>
+          <p:cNvSpPr>
+            <a:spLocks noGrp="1"/>
+          </p:cNvSpPr>
+          <p:nvPr>
+            <p:ph idx="1"/>
           </p:nvPr>
         </p:nvSpPr>
         <p:spPr/>
@@ -4858,253 +6934,59 @@
           <a:bodyPr/>
           <a:lstStyle/>
           <a:p>
-            <a:pPr lvl="0" marL="0" indent="0">
-              <a:buNone/>
-            </a:pPr>
-            <a:r>
-              <a:rPr/>
-              <a:t>What</a:t>
-            </a:r>
-            <a:r>
-              <a:rPr/>
-              <a:t> </a:t>
-            </a:r>
-            <a:r>
-              <a:rPr/>
-              <a:t>are</a:t>
-            </a:r>
-            <a:r>
-              <a:rPr/>
-              <a:t> </a:t>
-            </a:r>
-            <a:r>
-              <a:rPr/>
-              <a:t>Statements?</a:t>
-            </a:r>
-          </a:p>
-        </p:txBody>
-      </p:sp>
-      <p:sp>
-        <p:nvSpPr>
-          <p:cNvPr id="3" name="Content Placeholder 2"/>
-          <p:cNvSpPr>
-            <a:spLocks noGrp="1"/>
-          </p:cNvSpPr>
-          <p:nvPr>
-            <p:ph idx="1"/>
-          </p:nvPr>
-        </p:nvSpPr>
-        <p:spPr/>
-        <p:txBody>
-          <a:bodyPr/>
-          <a:lstStyle/>
-          <a:p>
             <a:pPr lvl="1"/>
             <a:r>
               <a:rPr/>
-              <a:t>Statements are the most basic units of executable Python code</a:t>
+              <a:t>addition (+)</a:t>
             </a:r>
           </a:p>
           <a:p>
             <a:pPr lvl="1"/>
             <a:r>
               <a:rPr/>
-              <a:t>On some level, a Python program is a series of statements executed in order</a:t>
+              <a:t>subtraction (-)</a:t>
             </a:r>
           </a:p>
           <a:p>
             <a:pPr lvl="1"/>
             <a:r>
               <a:rPr/>
-              <a:t>In practice, it is more complicated than that, of course</a:t>
+              <a:t>multiplication (*)</a:t>
             </a:r>
           </a:p>
           <a:p>
             <a:pPr lvl="1"/>
             <a:r>
               <a:rPr/>
-              <a:t>Two very simple but useful statements are print and input</a:t>
+              <a:t>division (/)</a:t>
             </a:r>
           </a:p>
           <a:p>
             <a:pPr lvl="1"/>
             <a:r>
               <a:rPr/>
-              <a:t>These are actually built-in functions, but we can use them to do simple input and output</a:t>
-            </a:r>
-          </a:p>
-          <a:p>
-            <a:pPr lvl="0" marL="0" indent="0">
-              <a:buNone/>
-            </a:pPr>
-            <a:r>
-              <a:rPr/>
-              <a:t>:::</a:t>
-            </a:r>
-          </a:p>
-          <a:p>
-            <a:pPr lvl="0" marL="0" indent="0">
-              <a:spcBef>
-                <a:spcPts val="3000"/>
-              </a:spcBef>
-              <a:buNone/>
-            </a:pPr>
-            <a:r>
-              <a:rPr b="1"/>
-              <a:t>Practice with Statements</a:t>
-            </a:r>
-          </a:p>
-          <a:p>
-            <a:pPr lvl="0" marL="1270000" indent="0">
-              <a:buNone/>
-            </a:pPr>
-            <a:r>
-              <a:rPr sz="1800" i="1">
-                <a:solidFill>
-                  <a:srgbClr val="60A0B0"/>
-                </a:solidFill>
-                <a:latin typeface="Courier"/>
-              </a:rPr>
-              <a:t># examples of simple Python statements</a:t>
-            </a:r>
-            <a:br/>
-            <a:br/>
-            <a:r>
-              <a:rPr sz="1800">
-                <a:latin typeface="Courier"/>
-              </a:rPr>
-              <a:t>::: incremental</a:t>
-            </a:r>
-            <a:br/>
-            <a:r>
-              <a:rPr sz="1800">
-                <a:latin typeface="Courier"/>
-              </a:rPr>
-              <a:t>x </a:t>
-            </a:r>
-            <a:r>
-              <a:rPr sz="1800">
-                <a:solidFill>
-                  <a:srgbClr val="666666"/>
-                </a:solidFill>
-                <a:latin typeface="Courier"/>
-              </a:rPr>
-              <a:t>=</a:t>
-            </a:r>
-            <a:r>
-              <a:rPr sz="1800">
-                <a:latin typeface="Courier"/>
-              </a:rPr>
-              <a:t> </a:t>
-            </a:r>
-            <a:r>
-              <a:rPr sz="1800">
-                <a:solidFill>
-                  <a:srgbClr val="4070A0"/>
-                </a:solidFill>
-                <a:latin typeface="Courier"/>
-              </a:rPr>
-              <a:t>"Hello"</a:t>
-            </a:r>
-            <a:br/>
-            <a:r>
-              <a:rPr sz="1800">
-                <a:latin typeface="Courier"/>
-              </a:rPr>
-              <a:t>print(x)</a:t>
-            </a:r>
-          </a:p>
-          <a:p>
-            <a:pPr lvl="0" marL="0" indent="0">
-              <a:buNone/>
-            </a:pPr>
-            <a:r>
-              <a:rPr/>
-              <a:t>:::</a:t>
-            </a:r>
-          </a:p>
-          <a:p>
-            <a:pPr lvl="0" marL="0" indent="0">
-              <a:spcBef>
-                <a:spcPts val="3000"/>
-              </a:spcBef>
-              <a:buNone/>
-            </a:pPr>
-            <a:r>
-              <a:rPr b="1"/>
-              <a:t>Practice with Statements</a:t>
-            </a:r>
-          </a:p>
-          <a:p>
-            <a:pPr lvl="0" marL="1270000" indent="0">
-              <a:buNone/>
-            </a:pPr>
-            <a:r>
-              <a:rPr sz="1800" i="1">
-                <a:solidFill>
-                  <a:srgbClr val="60A0B0"/>
-                </a:solidFill>
-                <a:latin typeface="Courier"/>
-              </a:rPr>
-              <a:t># examples of simple Python statements</a:t>
-            </a:r>
-            <a:br/>
-            <a:br/>
-            <a:r>
-              <a:rPr sz="1800">
-                <a:latin typeface="Courier"/>
-              </a:rPr>
-              <a:t>::: incremental</a:t>
-            </a:r>
-            <a:br/>
-            <a:r>
-              <a:rPr sz="1800">
-                <a:latin typeface="Courier"/>
-              </a:rPr>
-              <a:t>username </a:t>
-            </a:r>
-            <a:r>
-              <a:rPr sz="1800">
-                <a:solidFill>
-                  <a:srgbClr val="666666"/>
-                </a:solidFill>
-                <a:latin typeface="Courier"/>
-              </a:rPr>
-              <a:t>=</a:t>
-            </a:r>
-            <a:r>
-              <a:rPr sz="1800">
-                <a:latin typeface="Courier"/>
-              </a:rPr>
-              <a:t> input(</a:t>
-            </a:r>
-            <a:r>
-              <a:rPr sz="1800">
-                <a:solidFill>
-                  <a:srgbClr val="4070A0"/>
-                </a:solidFill>
-                <a:latin typeface="Courier"/>
-              </a:rPr>
-              <a:t>'Enter your name: ")</a:t>
-            </a:r>
-            <a:br/>
-            <a:r>
-              <a:rPr sz="1800">
-                <a:solidFill>
-                  <a:srgbClr val="4070A0"/>
-                </a:solidFill>
-                <a:latin typeface="Courier"/>
-              </a:rPr>
-              <a:t>print("Hello", username)</a:t>
-            </a:r>
-          </a:p>
-          <a:p>
-            <a:pPr lvl="0" marL="0" indent="0">
-              <a:buNone/>
-            </a:pPr>
-            <a:r>
-              <a:rPr/>
-              <a:t>:::</a:t>
+              <a:t>integer division (//)</a:t>
+            </a:r>
+          </a:p>
+          <a:p>
+            <a:pPr lvl="1"/>
+            <a:r>
+              <a:rPr/>
+              <a:t>modulo (%)</a:t>
+            </a:r>
+          </a:p>
+          <a:p>
+            <a:pPr lvl="1"/>
+            <a:r>
+              <a:rPr/>
+              <a:t>exponentiation (**)</a:t>
+            </a:r>
+          </a:p>
+          <a:p>
+            <a:pPr lvl="1"/>
+            <a:r>
+              <a:rPr/>
+              <a:t>equality (==)</a:t>
             </a:r>
           </a:p>
         </p:txBody>
@@ -5133,12 +7015,12 @@
       </p:grpSpPr>
       <p:sp>
         <p:nvSpPr>
-          <p:cNvPr id="2" name="Title 1"/>
-          <p:cNvSpPr>
-            <a:spLocks noGrp="1"/>
-          </p:cNvSpPr>
-          <p:nvPr>
-            <p:ph type="title"/>
+          <p:cNvPr id="3" name="Content Placeholder 2"/>
+          <p:cNvSpPr>
+            <a:spLocks noGrp="1"/>
+          </p:cNvSpPr>
+          <p:nvPr>
+            <p:ph idx="1"/>
           </p:nvPr>
         </p:nvSpPr>
         <p:spPr/>
@@ -5151,32 +7033,13 @@
             </a:pPr>
             <a:r>
               <a:rPr/>
-              <a:t>Conditionals</a:t>
-            </a:r>
-          </a:p>
-        </p:txBody>
-      </p:sp>
-      <p:sp>
-        <p:nvSpPr>
-          <p:cNvPr id="3" name="Content Placeholder 2"/>
-          <p:cNvSpPr>
-            <a:spLocks noGrp="1"/>
-          </p:cNvSpPr>
-          <p:nvPr>
-            <p:ph idx="1"/>
-          </p:nvPr>
-        </p:nvSpPr>
-        <p:spPr/>
-        <p:txBody>
-          <a:bodyPr/>
-          <a:lstStyle/>
-          <a:p>
-            <a:pPr lvl="0" marL="0" indent="0">
-              <a:buNone/>
-            </a:pPr>
-            <a:r>
-              <a:rPr/>
-              <a:t>:::</a:t>
+              <a:t>Remember order of operations: </a:t>
+            </a:r>
+            <a:r>
+              <a:rPr>
+                <a:hlinkClick r:id="rId2"/>
+              </a:rPr>
+              <a:t>PEMDAS</a:t>
             </a:r>
           </a:p>
         </p:txBody>
@@ -5223,69 +7086,23 @@
             </a:pPr>
             <a:r>
               <a:rPr/>
-              <a:t>What</a:t>
-            </a:r>
-            <a:r>
-              <a:rPr/>
-              <a:t> </a:t>
-            </a:r>
-            <a:r>
-              <a:rPr/>
-              <a:t>are</a:t>
-            </a:r>
-            <a:r>
-              <a:rPr/>
-              <a:t> </a:t>
-            </a:r>
-            <a:r>
-              <a:rPr/>
-              <a:t>Conditionals?</a:t>
-            </a:r>
-          </a:p>
-        </p:txBody>
-      </p:sp>
-      <p:sp>
-        <p:nvSpPr>
-          <p:cNvPr id="3" name="Content Placeholder 2"/>
-          <p:cNvSpPr>
-            <a:spLocks noGrp="1"/>
-          </p:cNvSpPr>
-          <p:nvPr>
-            <p:ph idx="1"/>
-          </p:nvPr>
-        </p:nvSpPr>
-        <p:spPr/>
-        <p:txBody>
-          <a:bodyPr/>
-          <a:lstStyle/>
-          <a:p>
-            <a:pPr lvl="1"/>
-            <a:r>
-              <a:rPr/>
-              <a:t>In practice, you often do not want every statement in a program to be executed every time</a:t>
-            </a:r>
-          </a:p>
-          <a:p>
-            <a:pPr lvl="1"/>
-            <a:r>
-              <a:rPr/>
-              <a:t>Instead, you want to build branching logic that causes different statements to be executed depending on the state of data or input at execution time</a:t>
-            </a:r>
-          </a:p>
-          <a:p>
-            <a:pPr lvl="1"/>
-            <a:r>
-              <a:rPr/>
-              <a:t>The basic building blocks for this logic are conditionals, which are constructed with the keywords “if”, “elif” and “else”</a:t>
-            </a:r>
-          </a:p>
-          <a:p>
-            <a:pPr lvl="0" marL="0" indent="0">
-              <a:buNone/>
-            </a:pPr>
-            <a:r>
-              <a:rPr/>
-              <a:t>:::</a:t>
+              <a:t>Practice</a:t>
+            </a:r>
+            <a:r>
+              <a:rPr/>
+              <a:t> </a:t>
+            </a:r>
+            <a:r>
+              <a:rPr/>
+              <a:t>with</a:t>
+            </a:r>
+            <a:r>
+              <a:rPr/>
+              <a:t> </a:t>
+            </a:r>
+            <a:r>
+              <a:rPr/>
+              <a:t>Expressions</a:t>
             </a:r>
           </a:p>
         </p:txBody>
@@ -5613,4 +7430,265 @@
   </a:objectDefaults>
   <a:extraClrSchemeLst/>
 </a:theme>
+</file>
+
+<file path=ppt/theme/theme2.xml><?xml version="1.0" encoding="utf-8"?>
+<a:theme xmlns:a="http://schemas.openxmlformats.org/drawingml/2006/main" name="Office Theme">
+  <a:themeElements>
+    <a:clrScheme name="Office">
+      <a:dk1>
+        <a:sysClr val="windowText" lastClr="000000"/>
+      </a:dk1>
+      <a:lt1>
+        <a:sysClr val="window" lastClr="FFFFFF"/>
+      </a:lt1>
+      <a:dk2>
+        <a:srgbClr val="44546A"/>
+      </a:dk2>
+      <a:lt2>
+        <a:srgbClr val="E7E6E6"/>
+      </a:lt2>
+      <a:accent1>
+        <a:srgbClr val="5B9BD5"/>
+      </a:accent1>
+      <a:accent2>
+        <a:srgbClr val="ED7D31"/>
+      </a:accent2>
+      <a:accent3>
+        <a:srgbClr val="A5A5A5"/>
+      </a:accent3>
+      <a:accent4>
+        <a:srgbClr val="FFC000"/>
+      </a:accent4>
+      <a:accent5>
+        <a:srgbClr val="4472C4"/>
+      </a:accent5>
+      <a:accent6>
+        <a:srgbClr val="70AD47"/>
+      </a:accent6>
+      <a:hlink>
+        <a:srgbClr val="0563C1"/>
+      </a:hlink>
+      <a:folHlink>
+        <a:srgbClr val="954F72"/>
+      </a:folHlink>
+    </a:clrScheme>
+    <a:fontScheme name="Office">
+      <a:majorFont>
+        <a:latin typeface="Calibri Light" panose="020F0302020204030204"/>
+        <a:ea typeface=""/>
+        <a:cs typeface=""/>
+        <a:font script="Jpan" typeface="ＭＳ Ｐゴシック"/>
+        <a:font script="Hang" typeface="맑은 고딕"/>
+        <a:font script="Hans" typeface="宋体"/>
+        <a:font script="Hant" typeface="新細明體"/>
+        <a:font script="Arab" typeface="Times New Roman"/>
+        <a:font script="Hebr" typeface="Times New Roman"/>
+        <a:font script="Thai" typeface="Angsana New"/>
+        <a:font script="Ethi" typeface="Nyala"/>
+        <a:font script="Beng" typeface="Vrinda"/>
+        <a:font script="Gujr" typeface="Shruti"/>
+        <a:font script="Khmr" typeface="MoolBoran"/>
+        <a:font script="Knda" typeface="Tunga"/>
+        <a:font script="Guru" typeface="Raavi"/>
+        <a:font script="Cans" typeface="Euphemia"/>
+        <a:font script="Cher" typeface="Plantagenet Cherokee"/>
+        <a:font script="Yiii" typeface="Microsoft Yi Baiti"/>
+        <a:font script="Tibt" typeface="Microsoft Himalaya"/>
+        <a:font script="Thaa" typeface="MV Boli"/>
+        <a:font script="Deva" typeface="Mangal"/>
+        <a:font script="Telu" typeface="Gautami"/>
+        <a:font script="Taml" typeface="Latha"/>
+        <a:font script="Syrc" typeface="Estrangelo Edessa"/>
+        <a:font script="Orya" typeface="Kalinga"/>
+        <a:font script="Mlym" typeface="Kartika"/>
+        <a:font script="Laoo" typeface="DokChampa"/>
+        <a:font script="Sinh" typeface="Iskoola Pota"/>
+        <a:font script="Mong" typeface="Mongolian Baiti"/>
+        <a:font script="Viet" typeface="Times New Roman"/>
+        <a:font script="Uigh" typeface="Microsoft Uighur"/>
+        <a:font script="Geor" typeface="Sylfaen"/>
+      </a:majorFont>
+      <a:minorFont>
+        <a:latin typeface="Calibri" panose="020F0502020204030204"/>
+        <a:ea typeface=""/>
+        <a:cs typeface=""/>
+        <a:font script="Jpan" typeface="ＭＳ Ｐゴシック"/>
+        <a:font script="Hang" typeface="맑은 고딕"/>
+        <a:font script="Hans" typeface="宋体"/>
+        <a:font script="Hant" typeface="新細明體"/>
+        <a:font script="Arab" typeface="Arial"/>
+        <a:font script="Hebr" typeface="Arial"/>
+        <a:font script="Thai" typeface="Cordia New"/>
+        <a:font script="Ethi" typeface="Nyala"/>
+        <a:font script="Beng" typeface="Vrinda"/>
+        <a:font script="Gujr" typeface="Shruti"/>
+        <a:font script="Khmr" typeface="DaunPenh"/>
+        <a:font script="Knda" typeface="Tunga"/>
+        <a:font script="Guru" typeface="Raavi"/>
+        <a:font script="Cans" typeface="Euphemia"/>
+        <a:font script="Cher" typeface="Plantagenet Cherokee"/>
+        <a:font script="Yiii" typeface="Microsoft Yi Baiti"/>
+        <a:font script="Tibt" typeface="Microsoft Himalaya"/>
+        <a:font script="Thaa" typeface="MV Boli"/>
+        <a:font script="Deva" typeface="Mangal"/>
+        <a:font script="Telu" typeface="Gautami"/>
+        <a:font script="Taml" typeface="Latha"/>
+        <a:font script="Syrc" typeface="Estrangelo Edessa"/>
+        <a:font script="Orya" typeface="Kalinga"/>
+        <a:font script="Mlym" typeface="Kartika"/>
+        <a:font script="Laoo" typeface="DokChampa"/>
+        <a:font script="Sinh" typeface="Iskoola Pota"/>
+        <a:font script="Mong" typeface="Mongolian Baiti"/>
+        <a:font script="Viet" typeface="Arial"/>
+        <a:font script="Uigh" typeface="Microsoft Uighur"/>
+        <a:font script="Geor" typeface="Sylfaen"/>
+      </a:minorFont>
+    </a:fontScheme>
+    <a:fmtScheme name="Office">
+      <a:fillStyleLst>
+        <a:solidFill>
+          <a:schemeClr val="phClr"/>
+        </a:solidFill>
+        <a:gradFill rotWithShape="1">
+          <a:gsLst>
+            <a:gs pos="0">
+              <a:schemeClr val="phClr">
+                <a:lumMod val="110000"/>
+                <a:satMod val="105000"/>
+                <a:tint val="67000"/>
+              </a:schemeClr>
+            </a:gs>
+            <a:gs pos="50000">
+              <a:schemeClr val="phClr">
+                <a:lumMod val="105000"/>
+                <a:satMod val="103000"/>
+                <a:tint val="73000"/>
+              </a:schemeClr>
+            </a:gs>
+            <a:gs pos="100000">
+              <a:schemeClr val="phClr">
+                <a:lumMod val="105000"/>
+                <a:satMod val="109000"/>
+                <a:tint val="81000"/>
+              </a:schemeClr>
+            </a:gs>
+          </a:gsLst>
+          <a:lin ang="5400000" scaled="0"/>
+        </a:gradFill>
+        <a:gradFill rotWithShape="1">
+          <a:gsLst>
+            <a:gs pos="0">
+              <a:schemeClr val="phClr">
+                <a:satMod val="103000"/>
+                <a:lumMod val="102000"/>
+                <a:tint val="94000"/>
+              </a:schemeClr>
+            </a:gs>
+            <a:gs pos="50000">
+              <a:schemeClr val="phClr">
+                <a:satMod val="110000"/>
+                <a:lumMod val="100000"/>
+                <a:shade val="100000"/>
+              </a:schemeClr>
+            </a:gs>
+            <a:gs pos="100000">
+              <a:schemeClr val="phClr">
+                <a:lumMod val="99000"/>
+                <a:satMod val="120000"/>
+                <a:shade val="78000"/>
+              </a:schemeClr>
+            </a:gs>
+          </a:gsLst>
+          <a:lin ang="5400000" scaled="0"/>
+        </a:gradFill>
+      </a:fillStyleLst>
+      <a:lnStyleLst>
+        <a:ln w="6350" cap="flat" cmpd="sng" algn="ctr">
+          <a:solidFill>
+            <a:schemeClr val="phClr"/>
+          </a:solidFill>
+          <a:prstDash val="solid"/>
+          <a:miter lim="800000"/>
+        </a:ln>
+        <a:ln w="12700" cap="flat" cmpd="sng" algn="ctr">
+          <a:solidFill>
+            <a:schemeClr val="phClr"/>
+          </a:solidFill>
+          <a:prstDash val="solid"/>
+          <a:miter lim="800000"/>
+        </a:ln>
+        <a:ln w="19050" cap="flat" cmpd="sng" algn="ctr">
+          <a:solidFill>
+            <a:schemeClr val="phClr"/>
+          </a:solidFill>
+          <a:prstDash val="solid"/>
+          <a:miter lim="800000"/>
+        </a:ln>
+      </a:lnStyleLst>
+      <a:effectStyleLst>
+        <a:effectStyle>
+          <a:effectLst/>
+        </a:effectStyle>
+        <a:effectStyle>
+          <a:effectLst/>
+        </a:effectStyle>
+        <a:effectStyle>
+          <a:effectLst>
+            <a:outerShdw blurRad="57150" dist="19050" dir="5400000" algn="ctr" rotWithShape="0">
+              <a:srgbClr val="000000">
+                <a:alpha val="63000"/>
+              </a:srgbClr>
+            </a:outerShdw>
+          </a:effectLst>
+        </a:effectStyle>
+      </a:effectStyleLst>
+      <a:bgFillStyleLst>
+        <a:solidFill>
+          <a:schemeClr val="phClr"/>
+        </a:solidFill>
+        <a:solidFill>
+          <a:schemeClr val="phClr">
+            <a:tint val="95000"/>
+            <a:satMod val="170000"/>
+          </a:schemeClr>
+        </a:solidFill>
+        <a:gradFill rotWithShape="1">
+          <a:gsLst>
+            <a:gs pos="0">
+              <a:schemeClr val="phClr">
+                <a:tint val="93000"/>
+                <a:satMod val="150000"/>
+                <a:shade val="98000"/>
+                <a:lumMod val="102000"/>
+              </a:schemeClr>
+            </a:gs>
+            <a:gs pos="50000">
+              <a:schemeClr val="phClr">
+                <a:tint val="98000"/>
+                <a:satMod val="130000"/>
+                <a:shade val="90000"/>
+                <a:lumMod val="103000"/>
+              </a:schemeClr>
+            </a:gs>
+            <a:gs pos="100000">
+              <a:schemeClr val="phClr">
+                <a:shade val="63000"/>
+                <a:satMod val="120000"/>
+              </a:schemeClr>
+            </a:gs>
+          </a:gsLst>
+          <a:lin ang="5400000" scaled="0"/>
+        </a:gradFill>
+      </a:bgFillStyleLst>
+    </a:fmtScheme>
+  </a:themeElements>
+  <a:objectDefaults/>
+  <a:extraClrSchemeLst/>
+  <a:extLst>
+    <a:ext uri="{05A4C25C-085E-4340-85A3-A5531E510DB2}">
+      <thm15:themeFamily xmlns:thm15="http://schemas.microsoft.com/office/thememl/2012/main" name="Office Theme" id="{62F939B6-93AF-4DB8-9C6B-D6C7DFDC589F}" vid="{4A3C46E8-61CC-4603-A589-7422A47A8E4A}"/>
+    </a:ext>
+  </a:extLst>
+</a:theme>
 </file>
--- a/modules/module01/slides.pptx
+++ b/modules/module01/slides.pptx
@@ -5383,17 +5383,35 @@
                 </a:solidFill>
                 <a:latin typeface="Courier"/>
               </a:rPr>
-              <a:t>'Enter your name: ")</a:t>
+              <a:t>"Enter your name: "</a:t>
+            </a:r>
+            <a:r>
+              <a:rPr sz="1800">
+                <a:latin typeface="Courier"/>
+              </a:rPr>
+              <a:t>)</a:t>
             </a:r>
             <a:br/>
             <a:r>
               <a:rPr sz="1800">
+                <a:latin typeface="Courier"/>
+              </a:rPr>
+              <a:t>print(</a:t>
+            </a:r>
+            <a:r>
+              <a:rPr sz="1800">
                 <a:solidFill>
                   <a:srgbClr val="4070A0"/>
                 </a:solidFill>
                 <a:latin typeface="Courier"/>
               </a:rPr>
-              <a:t>print("Hello", username)</a:t>
+              <a:t>"Hello"</a:t>
+            </a:r>
+            <a:r>
+              <a:rPr sz="1800">
+                <a:latin typeface="Courier"/>
+              </a:rPr>
+              <a:t>, username)</a:t>
             </a:r>
           </a:p>
         </p:txBody>
@@ -6072,7 +6090,7 @@
                 </a:solidFill>
                 <a:latin typeface="Courier"/>
               </a:rPr>
-              <a:t>"Would you like fries?"</a:t>
+              <a:t>"Would you like fries? "</a:t>
             </a:r>
             <a:r>
               <a:rPr sz="1800">
@@ -6118,73 +6136,73 @@
                 </a:solidFill>
                 <a:latin typeface="Courier"/>
               </a:rPr>
-              <a:t>'salad'</a:t>
-            </a:r>
-            <a:r>
-              <a:rPr sz="1800">
-                <a:latin typeface="Courier"/>
-              </a:rPr>
-              <a:t>:</a:t>
+              <a:t>"salad':</a:t>
             </a:r>
             <a:br/>
             <a:r>
               <a:rPr sz="1800">
-                <a:latin typeface="Courier"/>
-              </a:rPr>
-              <a:t>    side </a:t>
-            </a:r>
-            <a:r>
-              <a:rPr sz="1800">
-                <a:solidFill>
-                  <a:srgbClr val="666666"/>
-                </a:solidFill>
-                <a:latin typeface="Courier"/>
-              </a:rPr>
-              <a:t>=</a:t>
-            </a:r>
-            <a:r>
-              <a:rPr sz="1800">
-                <a:latin typeface="Courier"/>
-              </a:rPr>
-              <a:t> input(</a:t>
-            </a:r>
-            <a:r>
-              <a:rPr sz="1800">
                 <a:solidFill>
                   <a:srgbClr val="4070A0"/>
                 </a:solidFill>
                 <a:latin typeface="Courier"/>
               </a:rPr>
-              <a:t>"What kind of dressing?"</a:t>
-            </a:r>
-            <a:r>
-              <a:rPr sz="1800">
-                <a:latin typeface="Courier"/>
-              </a:rPr>
-              <a:t>)</a:t>
+              <a:t>    side = input("</a:t>
+            </a:r>
+            <a:r>
+              <a:rPr sz="1800">
+                <a:latin typeface="Courier"/>
+              </a:rPr>
+              <a:t>What kind of dressing? </a:t>
+            </a:r>
+            <a:r>
+              <a:rPr sz="1800">
+                <a:solidFill>
+                  <a:srgbClr val="4070A0"/>
+                </a:solidFill>
+                <a:latin typeface="Courier"/>
+              </a:rPr>
+              <a:t>")</a:t>
             </a:r>
             <a:br/>
             <a:r>
+              <a:rPr sz="1800">
+                <a:solidFill>
+                  <a:srgbClr val="4070A0"/>
+                </a:solidFill>
+                <a:latin typeface="Courier"/>
+              </a:rPr>
+              <a:t>else:</a:t>
+            </a:r>
+            <a:br/>
+            <a:r>
+              <a:rPr sz="1800">
+                <a:solidFill>
+                  <a:srgbClr val="4070A0"/>
+                </a:solidFill>
+                <a:latin typeface="Courier"/>
+              </a:rPr>
+              <a:t>    print("</a:t>
+            </a:r>
+            <a:r>
+              <a:rPr sz="1800">
+                <a:latin typeface="Courier"/>
+              </a:rPr>
+              <a:t>We only sell burgers </a:t>
+            </a:r>
+            <a:r>
               <a:rPr sz="1800" b="1">
                 <a:solidFill>
                   <a:srgbClr val="007020"/>
                 </a:solidFill>
                 <a:latin typeface="Courier"/>
               </a:rPr>
-              <a:t>else</a:t>
-            </a:r>
-            <a:r>
-              <a:rPr sz="1800">
-                <a:latin typeface="Courier"/>
-              </a:rPr>
-              <a:t>:</a:t>
-            </a:r>
-            <a:br/>
-            <a:r>
-              <a:rPr sz="1800">
-                <a:latin typeface="Courier"/>
-              </a:rPr>
-              <a:t>    print(</a:t>
+              <a:t>and</a:t>
+            </a:r>
+            <a:r>
+              <a:rPr sz="1800">
+                <a:latin typeface="Courier"/>
+              </a:rPr>
+              <a:t> salads.</a:t>
             </a:r>
             <a:r>
               <a:rPr sz="1800">
@@ -6193,36 +6211,33 @@
                 </a:solidFill>
                 <a:latin typeface="Courier"/>
               </a:rPr>
-              <a:t>"We only sell burgers and salads"</a:t>
-            </a:r>
-            <a:r>
-              <a:rPr sz="1800">
-                <a:latin typeface="Courier"/>
-              </a:rPr>
-              <a:t>)</a:t>
+              <a:t>")</a:t>
             </a:r>
             <a:br/>
             <a:br/>
             <a:r>
               <a:rPr sz="1800">
-                <a:latin typeface="Courier"/>
-              </a:rPr>
-              <a:t>print(</a:t>
-            </a:r>
-            <a:r>
-              <a:rPr sz="1800">
                 <a:solidFill>
                   <a:srgbClr val="4070A0"/>
                 </a:solidFill>
                 <a:latin typeface="Courier"/>
               </a:rPr>
-              <a:t>"You ordered:"</a:t>
-            </a:r>
-            <a:r>
-              <a:rPr sz="1800">
-                <a:latin typeface="Courier"/>
-              </a:rPr>
-              <a:t>, order, side)</a:t>
+              <a:t>print("</a:t>
+            </a:r>
+            <a:r>
+              <a:rPr sz="1800">
+                <a:latin typeface="Courier"/>
+              </a:rPr>
+              <a:t>You ordered:</a:t>
+            </a:r>
+            <a:r>
+              <a:rPr sz="1800">
+                <a:solidFill>
+                  <a:srgbClr val="4070A0"/>
+                </a:solidFill>
+                <a:latin typeface="Courier"/>
+              </a:rPr>
+              <a:t>", order, side)</a:t>
             </a:r>
           </a:p>
         </p:txBody>
